--- a/petunjuk teknis luaran kkn untag sby.pptx
+++ b/petunjuk teknis luaran kkn untag sby.pptx
@@ -5,10 +5,10 @@
     <p:sldMasterId id="2147483648" r:id="rId4"/>
   </p:sldMasterIdLst>
   <p:notesMasterIdLst>
-    <p:notesMasterId r:id="rId25"/>
+    <p:notesMasterId r:id="rId26"/>
   </p:notesMasterIdLst>
   <p:handoutMasterIdLst>
-    <p:handoutMasterId r:id="rId26"/>
+    <p:handoutMasterId r:id="rId27"/>
   </p:handoutMasterIdLst>
   <p:sldIdLst>
     <p:sldId id="377" r:id="rId5"/>
@@ -20,17 +20,18 @@
     <p:sldId id="386" r:id="rId11"/>
     <p:sldId id="387" r:id="rId12"/>
     <p:sldId id="388" r:id="rId13"/>
-    <p:sldId id="361" r:id="rId14"/>
-    <p:sldId id="283" r:id="rId15"/>
-    <p:sldId id="381" r:id="rId16"/>
-    <p:sldId id="331" r:id="rId17"/>
-    <p:sldId id="341" r:id="rId18"/>
-    <p:sldId id="352" r:id="rId19"/>
-    <p:sldId id="354" r:id="rId20"/>
-    <p:sldId id="356" r:id="rId21"/>
-    <p:sldId id="363" r:id="rId22"/>
-    <p:sldId id="380" r:id="rId23"/>
-    <p:sldId id="378" r:id="rId24"/>
+    <p:sldId id="389" r:id="rId14"/>
+    <p:sldId id="361" r:id="rId15"/>
+    <p:sldId id="283" r:id="rId16"/>
+    <p:sldId id="381" r:id="rId17"/>
+    <p:sldId id="331" r:id="rId18"/>
+    <p:sldId id="341" r:id="rId19"/>
+    <p:sldId id="352" r:id="rId20"/>
+    <p:sldId id="354" r:id="rId21"/>
+    <p:sldId id="356" r:id="rId22"/>
+    <p:sldId id="363" r:id="rId23"/>
+    <p:sldId id="380" r:id="rId24"/>
+    <p:sldId id="378" r:id="rId25"/>
   </p:sldIdLst>
   <p:sldSz cx="12192000" cy="6858000"/>
   <p:notesSz cx="9388475" cy="7102475"/>
@@ -143,6 +144,7 @@
             <p14:sldId id="386"/>
             <p14:sldId id="387"/>
             <p14:sldId id="388"/>
+            <p14:sldId id="389"/>
             <p14:sldId id="361"/>
             <p14:sldId id="283"/>
             <p14:sldId id="381"/>
@@ -873,7 +875,7 @@
     </p:spTree>
     <p:extLst>
       <p:ext uri="{BB962C8B-B14F-4D97-AF65-F5344CB8AC3E}">
-        <p14:creationId xmlns:p14="http://schemas.microsoft.com/office/powerpoint/2010/main" val="1920947411"/>
+        <p14:creationId xmlns:p14="http://schemas.microsoft.com/office/powerpoint/2010/main" val="1184736408"/>
       </p:ext>
     </p:extLst>
   </p:cSld>
@@ -938,7 +940,7 @@
             <a:spLocks noGrp="1"/>
           </p:cNvSpPr>
           <p:nvPr>
-            <p:ph type="sldNum" sz="quarter" idx="5"/>
+            <p:ph type="sldNum" sz="quarter" idx="10"/>
           </p:nvPr>
         </p:nvSpPr>
         <p:spPr/>
@@ -957,7 +959,7 @@
     </p:spTree>
     <p:extLst>
       <p:ext uri="{BB962C8B-B14F-4D97-AF65-F5344CB8AC3E}">
-        <p14:creationId xmlns:p14="http://schemas.microsoft.com/office/powerpoint/2010/main" val="2441216884"/>
+        <p14:creationId xmlns:p14="http://schemas.microsoft.com/office/powerpoint/2010/main" val="1920947411"/>
       </p:ext>
     </p:extLst>
   </p:cSld>
@@ -1041,7 +1043,7 @@
     </p:spTree>
     <p:extLst>
       <p:ext uri="{BB962C8B-B14F-4D97-AF65-F5344CB8AC3E}">
-        <p14:creationId xmlns:p14="http://schemas.microsoft.com/office/powerpoint/2010/main" val="3986560482"/>
+        <p14:creationId xmlns:p14="http://schemas.microsoft.com/office/powerpoint/2010/main" val="2441216884"/>
       </p:ext>
     </p:extLst>
   </p:cSld>
@@ -1101,12 +1103,12 @@
       </p:sp>
       <p:sp>
         <p:nvSpPr>
-          <p:cNvPr id="4" name="Header Placeholder 3"/>
+          <p:cNvPr id="4" name="Slide Number Placeholder 3"/>
           <p:cNvSpPr>
             <a:spLocks noGrp="1"/>
           </p:cNvSpPr>
           <p:nvPr>
-            <p:ph type="hdr" sz="quarter" idx="10"/>
+            <p:ph type="sldNum" sz="quarter" idx="5"/>
           </p:nvPr>
         </p:nvSpPr>
         <p:spPr/>
@@ -1114,255 +1116,18 @@
           <a:bodyPr/>
           <a:lstStyle/>
           <a:p>
-            <a:pPr marL="0" marR="0" lvl="0" indent="0" defTabSz="914400" eaLnBrk="1" fontAlgn="auto" latinLnBrk="0" hangingPunct="1">
-              <a:lnSpc>
-                <a:spcPct val="100000"/>
-              </a:lnSpc>
-              <a:spcBef>
-                <a:spcPts val="0"/>
-              </a:spcBef>
-              <a:spcAft>
-                <a:spcPts val="0"/>
-              </a:spcAft>
-              <a:buClrTx/>
-              <a:buSzTx/>
-              <a:buFontTx/>
-              <a:buNone/>
-              <a:tabLst/>
-              <a:defRPr/>
-            </a:pPr>
-            <a:endParaRPr kumimoji="0" lang="en-US" sz="1800" b="0" i="0" u="none" strike="noStrike" kern="0" cap="none" spc="0" normalizeH="0" baseline="0" noProof="0" dirty="0">
-              <a:ln>
-                <a:noFill/>
-              </a:ln>
-              <a:solidFill>
-                <a:sysClr val="windowText" lastClr="000000"/>
-              </a:solidFill>
-              <a:effectLst/>
-              <a:uLnTx/>
-              <a:uFillTx/>
-            </a:endParaRPr>
-          </a:p>
-        </p:txBody>
-      </p:sp>
-      <p:sp>
-        <p:nvSpPr>
-          <p:cNvPr id="5" name="Footer Placeholder 4"/>
-          <p:cNvSpPr>
-            <a:spLocks noGrp="1"/>
-          </p:cNvSpPr>
-          <p:nvPr>
-            <p:ph type="ftr" sz="quarter" idx="11"/>
-          </p:nvPr>
-        </p:nvSpPr>
-        <p:spPr/>
-        <p:txBody>
-          <a:bodyPr/>
-          <a:lstStyle/>
-          <a:p>
-            <a:pPr marL="0" marR="0" lvl="0" indent="0" defTabSz="914099" eaLnBrk="0" fontAlgn="auto" latinLnBrk="0" hangingPunct="0">
-              <a:lnSpc>
-                <a:spcPct val="100000"/>
-              </a:lnSpc>
-              <a:spcBef>
-                <a:spcPts val="0"/>
-              </a:spcBef>
-              <a:spcAft>
-                <a:spcPts val="0"/>
-              </a:spcAft>
-              <a:buClrTx/>
-              <a:buSzTx/>
-              <a:buFontTx/>
-              <a:buNone/>
-              <a:tabLst/>
-              <a:defRPr/>
-            </a:pPr>
-            <a:r>
-              <a:rPr kumimoji="0" lang="en-US" sz="400" b="0" i="0" u="none" strike="noStrike" kern="0" cap="none" spc="0" normalizeH="0" baseline="0" noProof="0" dirty="0">
-                <a:ln>
-                  <a:noFill/>
-                </a:ln>
-                <a:gradFill>
-                  <a:gsLst>
-                    <a:gs pos="0">
-                      <a:prstClr val="black"/>
-                    </a:gs>
-                    <a:gs pos="100000">
-                      <a:prstClr val="black"/>
-                    </a:gs>
-                  </a:gsLst>
-                  <a:lin ang="5400000" scaled="0"/>
-                </a:gradFill>
-                <a:effectLst/>
-                <a:uLnTx/>
-                <a:uFillTx/>
-                <a:latin typeface="Segoe UI" pitchFamily="34" charset="0"/>
-                <a:ea typeface="Segoe UI" pitchFamily="34" charset="0"/>
-                <a:cs typeface="Segoe UI" pitchFamily="34" charset="0"/>
-              </a:rPr>
-              <a:t>© 2014 Microsoft Corporation. All rights reserved. MICROSOFT MAKES NO WARRANTIES, EXPRESS, IMPLIED OR STATUTORY, AS TO THE INFORMATION IN THIS PRESENTATION.</a:t>
-            </a:r>
-          </a:p>
-        </p:txBody>
-      </p:sp>
-      <p:sp>
-        <p:nvSpPr>
-          <p:cNvPr id="6" name="Date Placeholder 5"/>
-          <p:cNvSpPr>
-            <a:spLocks noGrp="1"/>
-          </p:cNvSpPr>
-          <p:nvPr>
-            <p:ph type="dt" idx="12"/>
-          </p:nvPr>
-        </p:nvSpPr>
-        <p:spPr/>
-        <p:txBody>
-          <a:bodyPr/>
-          <a:lstStyle/>
-          <a:p>
-            <a:pPr marL="0" marR="0" lvl="0" indent="0" defTabSz="914400" eaLnBrk="1" fontAlgn="auto" latinLnBrk="0" hangingPunct="1">
-              <a:lnSpc>
-                <a:spcPct val="100000"/>
-              </a:lnSpc>
-              <a:spcBef>
-                <a:spcPts val="0"/>
-              </a:spcBef>
-              <a:spcAft>
-                <a:spcPts val="0"/>
-              </a:spcAft>
-              <a:buClrTx/>
-              <a:buSzTx/>
-              <a:buFontTx/>
-              <a:buNone/>
-              <a:tabLst/>
-              <a:defRPr/>
-            </a:pPr>
-            <a:fld id="{23A5C127-CB05-47B6-8D1E-7BC74A68F508}" type="datetime8">
-              <a:rPr kumimoji="0" lang="en-US" sz="1800" b="0" i="0" u="none" strike="noStrike" kern="0" cap="none" spc="0" normalizeH="0" baseline="0" noProof="0" smtClean="0">
-                <a:ln>
-                  <a:noFill/>
-                </a:ln>
-                <a:solidFill>
-                  <a:sysClr val="windowText" lastClr="000000"/>
-                </a:solidFill>
-                <a:effectLst/>
-                <a:uLnTx/>
-                <a:uFillTx/>
-              </a:rPr>
-              <a:pPr marL="0" marR="0" lvl="0" indent="0" defTabSz="914400" eaLnBrk="1" fontAlgn="auto" latinLnBrk="0" hangingPunct="1">
-                <a:lnSpc>
-                  <a:spcPct val="100000"/>
-                </a:lnSpc>
-                <a:spcBef>
-                  <a:spcPts val="0"/>
-                </a:spcBef>
-                <a:spcAft>
-                  <a:spcPts val="0"/>
-                </a:spcAft>
-                <a:buClrTx/>
-                <a:buSzTx/>
-                <a:buFontTx/>
-                <a:buNone/>
-                <a:tabLst/>
-                <a:defRPr/>
-              </a:pPr>
-              <a:t>5/5/2024 6:15 AM</a:t>
-            </a:fld>
-            <a:endParaRPr kumimoji="0" lang="en-US" sz="1800" b="0" i="0" u="none" strike="noStrike" kern="0" cap="none" spc="0" normalizeH="0" baseline="0" noProof="0" dirty="0">
-              <a:ln>
-                <a:noFill/>
-              </a:ln>
-              <a:solidFill>
-                <a:sysClr val="windowText" lastClr="000000"/>
-              </a:solidFill>
-              <a:effectLst/>
-              <a:uLnTx/>
-              <a:uFillTx/>
-            </a:endParaRPr>
-          </a:p>
-        </p:txBody>
-      </p:sp>
-      <p:sp>
-        <p:nvSpPr>
-          <p:cNvPr id="7" name="Slide Number Placeholder 6"/>
-          <p:cNvSpPr>
-            <a:spLocks noGrp="1"/>
-          </p:cNvSpPr>
-          <p:nvPr>
-            <p:ph type="sldNum" sz="quarter" idx="13"/>
-          </p:nvPr>
-        </p:nvSpPr>
-        <p:spPr/>
-        <p:txBody>
-          <a:bodyPr/>
-          <a:lstStyle/>
-          <a:p>
-            <a:pPr marL="0" marR="0" lvl="0" indent="0" defTabSz="914400" eaLnBrk="1" fontAlgn="auto" latinLnBrk="0" hangingPunct="1">
-              <a:lnSpc>
-                <a:spcPct val="100000"/>
-              </a:lnSpc>
-              <a:spcBef>
-                <a:spcPts val="0"/>
-              </a:spcBef>
-              <a:spcAft>
-                <a:spcPts val="0"/>
-              </a:spcAft>
-              <a:buClrTx/>
-              <a:buSzTx/>
-              <a:buFontTx/>
-              <a:buNone/>
-              <a:tabLst/>
-              <a:defRPr/>
-            </a:pPr>
-            <a:fld id="{B4008EB6-D09E-4580-8CD6-DDB14511944F}" type="slidenum">
-              <a:rPr kumimoji="0" lang="en-US" sz="1800" b="0" i="0" u="none" strike="noStrike" kern="0" cap="none" spc="0" normalizeH="0" baseline="0" noProof="0" smtClean="0">
-                <a:ln>
-                  <a:noFill/>
-                </a:ln>
-                <a:solidFill>
-                  <a:sysClr val="windowText" lastClr="000000"/>
-                </a:solidFill>
-                <a:effectLst/>
-                <a:uLnTx/>
-                <a:uFillTx/>
-              </a:rPr>
-              <a:pPr marL="0" marR="0" lvl="0" indent="0" defTabSz="914400" eaLnBrk="1" fontAlgn="auto" latinLnBrk="0" hangingPunct="1">
-                <a:lnSpc>
-                  <a:spcPct val="100000"/>
-                </a:lnSpc>
-                <a:spcBef>
-                  <a:spcPts val="0"/>
-                </a:spcBef>
-                <a:spcAft>
-                  <a:spcPts val="0"/>
-                </a:spcAft>
-                <a:buClrTx/>
-                <a:buSzTx/>
-                <a:buFontTx/>
-                <a:buNone/>
-                <a:tabLst/>
-                <a:defRPr/>
-              </a:pPr>
+            <a:fld id="{4CBCEA92-F142-4D57-B507-37BDAF44710C}" type="slidenum">
+              <a:rPr lang="en-US" smtClean="0"/>
               <a:t>13</a:t>
             </a:fld>
-            <a:endParaRPr kumimoji="0" lang="en-US" sz="1800" b="0" i="0" u="none" strike="noStrike" kern="0" cap="none" spc="0" normalizeH="0" baseline="0" noProof="0" dirty="0">
-              <a:ln>
-                <a:noFill/>
-              </a:ln>
-              <a:solidFill>
-                <a:sysClr val="windowText" lastClr="000000"/>
-              </a:solidFill>
-              <a:effectLst/>
-              <a:uLnTx/>
-              <a:uFillTx/>
-            </a:endParaRPr>
+            <a:endParaRPr lang="en-US" dirty="0"/>
           </a:p>
         </p:txBody>
       </p:sp>
     </p:spTree>
     <p:extLst>
       <p:ext uri="{BB962C8B-B14F-4D97-AF65-F5344CB8AC3E}">
-        <p14:creationId xmlns:p14="http://schemas.microsoft.com/office/powerpoint/2010/main" val="1540269837"/>
+        <p14:creationId xmlns:p14="http://schemas.microsoft.com/office/powerpoint/2010/main" val="3986560482"/>
       </p:ext>
     </p:extLst>
   </p:cSld>
@@ -1422,12 +1187,12 @@
       </p:sp>
       <p:sp>
         <p:nvSpPr>
-          <p:cNvPr id="4" name="Slide Number Placeholder 3"/>
+          <p:cNvPr id="4" name="Header Placeholder 3"/>
           <p:cNvSpPr>
             <a:spLocks noGrp="1"/>
           </p:cNvSpPr>
           <p:nvPr>
-            <p:ph type="sldNum" sz="quarter" idx="5"/>
+            <p:ph type="hdr" sz="quarter" idx="10"/>
           </p:nvPr>
         </p:nvSpPr>
         <p:spPr/>
@@ -1435,18 +1200,255 @@
           <a:bodyPr/>
           <a:lstStyle/>
           <a:p>
-            <a:fld id="{4CBCEA92-F142-4D57-B507-37BDAF44710C}" type="slidenum">
-              <a:rPr lang="en-US" smtClean="0"/>
+            <a:pPr marL="0" marR="0" lvl="0" indent="0" defTabSz="914400" eaLnBrk="1" fontAlgn="auto" latinLnBrk="0" hangingPunct="1">
+              <a:lnSpc>
+                <a:spcPct val="100000"/>
+              </a:lnSpc>
+              <a:spcBef>
+                <a:spcPts val="0"/>
+              </a:spcBef>
+              <a:spcAft>
+                <a:spcPts val="0"/>
+              </a:spcAft>
+              <a:buClrTx/>
+              <a:buSzTx/>
+              <a:buFontTx/>
+              <a:buNone/>
+              <a:tabLst/>
+              <a:defRPr/>
+            </a:pPr>
+            <a:endParaRPr kumimoji="0" lang="en-US" sz="1800" b="0" i="0" u="none" strike="noStrike" kern="0" cap="none" spc="0" normalizeH="0" baseline="0" noProof="0" dirty="0">
+              <a:ln>
+                <a:noFill/>
+              </a:ln>
+              <a:solidFill>
+                <a:sysClr val="windowText" lastClr="000000"/>
+              </a:solidFill>
+              <a:effectLst/>
+              <a:uLnTx/>
+              <a:uFillTx/>
+            </a:endParaRPr>
+          </a:p>
+        </p:txBody>
+      </p:sp>
+      <p:sp>
+        <p:nvSpPr>
+          <p:cNvPr id="5" name="Footer Placeholder 4"/>
+          <p:cNvSpPr>
+            <a:spLocks noGrp="1"/>
+          </p:cNvSpPr>
+          <p:nvPr>
+            <p:ph type="ftr" sz="quarter" idx="11"/>
+          </p:nvPr>
+        </p:nvSpPr>
+        <p:spPr/>
+        <p:txBody>
+          <a:bodyPr/>
+          <a:lstStyle/>
+          <a:p>
+            <a:pPr marL="0" marR="0" lvl="0" indent="0" defTabSz="914099" eaLnBrk="0" fontAlgn="auto" latinLnBrk="0" hangingPunct="0">
+              <a:lnSpc>
+                <a:spcPct val="100000"/>
+              </a:lnSpc>
+              <a:spcBef>
+                <a:spcPts val="0"/>
+              </a:spcBef>
+              <a:spcAft>
+                <a:spcPts val="0"/>
+              </a:spcAft>
+              <a:buClrTx/>
+              <a:buSzTx/>
+              <a:buFontTx/>
+              <a:buNone/>
+              <a:tabLst/>
+              <a:defRPr/>
+            </a:pPr>
+            <a:r>
+              <a:rPr kumimoji="0" lang="en-US" sz="400" b="0" i="0" u="none" strike="noStrike" kern="0" cap="none" spc="0" normalizeH="0" baseline="0" noProof="0" dirty="0">
+                <a:ln>
+                  <a:noFill/>
+                </a:ln>
+                <a:gradFill>
+                  <a:gsLst>
+                    <a:gs pos="0">
+                      <a:prstClr val="black"/>
+                    </a:gs>
+                    <a:gs pos="100000">
+                      <a:prstClr val="black"/>
+                    </a:gs>
+                  </a:gsLst>
+                  <a:lin ang="5400000" scaled="0"/>
+                </a:gradFill>
+                <a:effectLst/>
+                <a:uLnTx/>
+                <a:uFillTx/>
+                <a:latin typeface="Segoe UI" pitchFamily="34" charset="0"/>
+                <a:ea typeface="Segoe UI" pitchFamily="34" charset="0"/>
+                <a:cs typeface="Segoe UI" pitchFamily="34" charset="0"/>
+              </a:rPr>
+              <a:t>© 2014 Microsoft Corporation. All rights reserved. MICROSOFT MAKES NO WARRANTIES, EXPRESS, IMPLIED OR STATUTORY, AS TO THE INFORMATION IN THIS PRESENTATION.</a:t>
+            </a:r>
+          </a:p>
+        </p:txBody>
+      </p:sp>
+      <p:sp>
+        <p:nvSpPr>
+          <p:cNvPr id="6" name="Date Placeholder 5"/>
+          <p:cNvSpPr>
+            <a:spLocks noGrp="1"/>
+          </p:cNvSpPr>
+          <p:nvPr>
+            <p:ph type="dt" idx="12"/>
+          </p:nvPr>
+        </p:nvSpPr>
+        <p:spPr/>
+        <p:txBody>
+          <a:bodyPr/>
+          <a:lstStyle/>
+          <a:p>
+            <a:pPr marL="0" marR="0" lvl="0" indent="0" defTabSz="914400" eaLnBrk="1" fontAlgn="auto" latinLnBrk="0" hangingPunct="1">
+              <a:lnSpc>
+                <a:spcPct val="100000"/>
+              </a:lnSpc>
+              <a:spcBef>
+                <a:spcPts val="0"/>
+              </a:spcBef>
+              <a:spcAft>
+                <a:spcPts val="0"/>
+              </a:spcAft>
+              <a:buClrTx/>
+              <a:buSzTx/>
+              <a:buFontTx/>
+              <a:buNone/>
+              <a:tabLst/>
+              <a:defRPr/>
+            </a:pPr>
+            <a:fld id="{23A5C127-CB05-47B6-8D1E-7BC74A68F508}" type="datetime8">
+              <a:rPr kumimoji="0" lang="en-US" sz="1800" b="0" i="0" u="none" strike="noStrike" kern="0" cap="none" spc="0" normalizeH="0" baseline="0" noProof="0" smtClean="0">
+                <a:ln>
+                  <a:noFill/>
+                </a:ln>
+                <a:solidFill>
+                  <a:sysClr val="windowText" lastClr="000000"/>
+                </a:solidFill>
+                <a:effectLst/>
+                <a:uLnTx/>
+                <a:uFillTx/>
+              </a:rPr>
+              <a:pPr marL="0" marR="0" lvl="0" indent="0" defTabSz="914400" eaLnBrk="1" fontAlgn="auto" latinLnBrk="0" hangingPunct="1">
+                <a:lnSpc>
+                  <a:spcPct val="100000"/>
+                </a:lnSpc>
+                <a:spcBef>
+                  <a:spcPts val="0"/>
+                </a:spcBef>
+                <a:spcAft>
+                  <a:spcPts val="0"/>
+                </a:spcAft>
+                <a:buClrTx/>
+                <a:buSzTx/>
+                <a:buFontTx/>
+                <a:buNone/>
+                <a:tabLst/>
+                <a:defRPr/>
+              </a:pPr>
+              <a:t>5/5/2024 9:30 AM</a:t>
+            </a:fld>
+            <a:endParaRPr kumimoji="0" lang="en-US" sz="1800" b="0" i="0" u="none" strike="noStrike" kern="0" cap="none" spc="0" normalizeH="0" baseline="0" noProof="0" dirty="0">
+              <a:ln>
+                <a:noFill/>
+              </a:ln>
+              <a:solidFill>
+                <a:sysClr val="windowText" lastClr="000000"/>
+              </a:solidFill>
+              <a:effectLst/>
+              <a:uLnTx/>
+              <a:uFillTx/>
+            </a:endParaRPr>
+          </a:p>
+        </p:txBody>
+      </p:sp>
+      <p:sp>
+        <p:nvSpPr>
+          <p:cNvPr id="7" name="Slide Number Placeholder 6"/>
+          <p:cNvSpPr>
+            <a:spLocks noGrp="1"/>
+          </p:cNvSpPr>
+          <p:nvPr>
+            <p:ph type="sldNum" sz="quarter" idx="13"/>
+          </p:nvPr>
+        </p:nvSpPr>
+        <p:spPr/>
+        <p:txBody>
+          <a:bodyPr/>
+          <a:lstStyle/>
+          <a:p>
+            <a:pPr marL="0" marR="0" lvl="0" indent="0" defTabSz="914400" eaLnBrk="1" fontAlgn="auto" latinLnBrk="0" hangingPunct="1">
+              <a:lnSpc>
+                <a:spcPct val="100000"/>
+              </a:lnSpc>
+              <a:spcBef>
+                <a:spcPts val="0"/>
+              </a:spcBef>
+              <a:spcAft>
+                <a:spcPts val="0"/>
+              </a:spcAft>
+              <a:buClrTx/>
+              <a:buSzTx/>
+              <a:buFontTx/>
+              <a:buNone/>
+              <a:tabLst/>
+              <a:defRPr/>
+            </a:pPr>
+            <a:fld id="{B4008EB6-D09E-4580-8CD6-DDB14511944F}" type="slidenum">
+              <a:rPr kumimoji="0" lang="en-US" sz="1800" b="0" i="0" u="none" strike="noStrike" kern="0" cap="none" spc="0" normalizeH="0" baseline="0" noProof="0" smtClean="0">
+                <a:ln>
+                  <a:noFill/>
+                </a:ln>
+                <a:solidFill>
+                  <a:sysClr val="windowText" lastClr="000000"/>
+                </a:solidFill>
+                <a:effectLst/>
+                <a:uLnTx/>
+                <a:uFillTx/>
+              </a:rPr>
+              <a:pPr marL="0" marR="0" lvl="0" indent="0" defTabSz="914400" eaLnBrk="1" fontAlgn="auto" latinLnBrk="0" hangingPunct="1">
+                <a:lnSpc>
+                  <a:spcPct val="100000"/>
+                </a:lnSpc>
+                <a:spcBef>
+                  <a:spcPts val="0"/>
+                </a:spcBef>
+                <a:spcAft>
+                  <a:spcPts val="0"/>
+                </a:spcAft>
+                <a:buClrTx/>
+                <a:buSzTx/>
+                <a:buFontTx/>
+                <a:buNone/>
+                <a:tabLst/>
+                <a:defRPr/>
+              </a:pPr>
               <a:t>14</a:t>
             </a:fld>
-            <a:endParaRPr lang="en-US" dirty="0"/>
+            <a:endParaRPr kumimoji="0" lang="en-US" sz="1800" b="0" i="0" u="none" strike="noStrike" kern="0" cap="none" spc="0" normalizeH="0" baseline="0" noProof="0" dirty="0">
+              <a:ln>
+                <a:noFill/>
+              </a:ln>
+              <a:solidFill>
+                <a:sysClr val="windowText" lastClr="000000"/>
+              </a:solidFill>
+              <a:effectLst/>
+              <a:uLnTx/>
+              <a:uFillTx/>
+            </a:endParaRPr>
           </a:p>
         </p:txBody>
       </p:sp>
     </p:spTree>
     <p:extLst>
       <p:ext uri="{BB962C8B-B14F-4D97-AF65-F5344CB8AC3E}">
-        <p14:creationId xmlns:p14="http://schemas.microsoft.com/office/powerpoint/2010/main" val="4082687997"/>
+        <p14:creationId xmlns:p14="http://schemas.microsoft.com/office/powerpoint/2010/main" val="1540269837"/>
       </p:ext>
     </p:extLst>
   </p:cSld>
@@ -1500,18 +1502,7 @@
           <a:bodyPr/>
           <a:lstStyle/>
           <a:p>
-            <a:pPr algn="l"/>
-            <a:r>
-              <a:rPr lang="en-US" b="1" dirty="0"/>
-              <a:t>Tip:</a:t>
-            </a:r>
-          </a:p>
-          <a:p>
-            <a:pPr algn="l"/>
-            <a:r>
-              <a:rPr lang="en-US" dirty="0"/>
-              <a:t>When using complex image as full-bleed background add a transparency (70%-90%) fill layer to give contrast to text. </a:t>
-            </a:r>
+            <a:endParaRPr lang="en-US" dirty="0"/>
           </a:p>
         </p:txBody>
       </p:sp>
@@ -1522,7 +1513,7 @@
             <a:spLocks noGrp="1"/>
           </p:cNvSpPr>
           <p:nvPr>
-            <p:ph type="sldNum" sz="quarter" idx="10"/>
+            <p:ph type="sldNum" sz="quarter" idx="5"/>
           </p:nvPr>
         </p:nvSpPr>
         <p:spPr/>
@@ -1541,7 +1532,7 @@
     </p:spTree>
     <p:extLst>
       <p:ext uri="{BB962C8B-B14F-4D97-AF65-F5344CB8AC3E}">
-        <p14:creationId xmlns:p14="http://schemas.microsoft.com/office/powerpoint/2010/main" val="136205948"/>
+        <p14:creationId xmlns:p14="http://schemas.microsoft.com/office/powerpoint/2010/main" val="4082687997"/>
       </p:ext>
     </p:extLst>
   </p:cSld>
@@ -1595,18 +1586,29 @@
           <a:bodyPr/>
           <a:lstStyle/>
           <a:p>
-            <a:endParaRPr lang="en-US" dirty="0"/>
+            <a:pPr algn="l"/>
+            <a:r>
+              <a:rPr lang="en-US" b="1" dirty="0"/>
+              <a:t>Tip:</a:t>
+            </a:r>
+          </a:p>
+          <a:p>
+            <a:pPr algn="l"/>
+            <a:r>
+              <a:rPr lang="en-US" dirty="0"/>
+              <a:t>When using complex image as full-bleed background add a transparency (70%-90%) fill layer to give contrast to text. </a:t>
+            </a:r>
           </a:p>
         </p:txBody>
       </p:sp>
       <p:sp>
         <p:nvSpPr>
-          <p:cNvPr id="4" name="Header Placeholder 3"/>
+          <p:cNvPr id="4" name="Slide Number Placeholder 3"/>
           <p:cNvSpPr>
             <a:spLocks noGrp="1"/>
           </p:cNvSpPr>
           <p:nvPr>
-            <p:ph type="hdr" sz="quarter" idx="10"/>
+            <p:ph type="sldNum" sz="quarter" idx="10"/>
           </p:nvPr>
         </p:nvSpPr>
         <p:spPr/>
@@ -1614,255 +1616,18 @@
           <a:bodyPr/>
           <a:lstStyle/>
           <a:p>
-            <a:pPr marL="0" marR="0" lvl="0" indent="0" defTabSz="914400" eaLnBrk="1" fontAlgn="auto" latinLnBrk="0" hangingPunct="1">
-              <a:lnSpc>
-                <a:spcPct val="100000"/>
-              </a:lnSpc>
-              <a:spcBef>
-                <a:spcPts val="0"/>
-              </a:spcBef>
-              <a:spcAft>
-                <a:spcPts val="0"/>
-              </a:spcAft>
-              <a:buClrTx/>
-              <a:buSzTx/>
-              <a:buFontTx/>
-              <a:buNone/>
-              <a:tabLst/>
-              <a:defRPr/>
-            </a:pPr>
-            <a:endParaRPr kumimoji="0" lang="en-US" sz="1800" b="0" i="0" u="none" strike="noStrike" kern="0" cap="none" spc="0" normalizeH="0" baseline="0" noProof="0" dirty="0">
-              <a:ln>
-                <a:noFill/>
-              </a:ln>
-              <a:solidFill>
-                <a:sysClr val="windowText" lastClr="000000"/>
-              </a:solidFill>
-              <a:effectLst/>
-              <a:uLnTx/>
-              <a:uFillTx/>
-            </a:endParaRPr>
-          </a:p>
-        </p:txBody>
-      </p:sp>
-      <p:sp>
-        <p:nvSpPr>
-          <p:cNvPr id="5" name="Footer Placeholder 4"/>
-          <p:cNvSpPr>
-            <a:spLocks noGrp="1"/>
-          </p:cNvSpPr>
-          <p:nvPr>
-            <p:ph type="ftr" sz="quarter" idx="11"/>
-          </p:nvPr>
-        </p:nvSpPr>
-        <p:spPr/>
-        <p:txBody>
-          <a:bodyPr/>
-          <a:lstStyle/>
-          <a:p>
-            <a:pPr marL="0" marR="0" lvl="0" indent="0" defTabSz="914099" eaLnBrk="0" fontAlgn="auto" latinLnBrk="0" hangingPunct="0">
-              <a:lnSpc>
-                <a:spcPct val="100000"/>
-              </a:lnSpc>
-              <a:spcBef>
-                <a:spcPts val="0"/>
-              </a:spcBef>
-              <a:spcAft>
-                <a:spcPts val="0"/>
-              </a:spcAft>
-              <a:buClrTx/>
-              <a:buSzTx/>
-              <a:buFontTx/>
-              <a:buNone/>
-              <a:tabLst/>
-              <a:defRPr/>
-            </a:pPr>
-            <a:r>
-              <a:rPr kumimoji="0" lang="en-US" sz="400" b="0" i="0" u="none" strike="noStrike" kern="0" cap="none" spc="0" normalizeH="0" baseline="0" noProof="0" dirty="0">
-                <a:ln>
-                  <a:noFill/>
-                </a:ln>
-                <a:gradFill>
-                  <a:gsLst>
-                    <a:gs pos="0">
-                      <a:prstClr val="black"/>
-                    </a:gs>
-                    <a:gs pos="100000">
-                      <a:prstClr val="black"/>
-                    </a:gs>
-                  </a:gsLst>
-                  <a:lin ang="5400000" scaled="0"/>
-                </a:gradFill>
-                <a:effectLst/>
-                <a:uLnTx/>
-                <a:uFillTx/>
-                <a:latin typeface="Segoe UI" pitchFamily="34" charset="0"/>
-                <a:ea typeface="Segoe UI" pitchFamily="34" charset="0"/>
-                <a:cs typeface="Segoe UI" pitchFamily="34" charset="0"/>
-              </a:rPr>
-              <a:t>© 2014 Microsoft Corporation. All rights reserved. MICROSOFT MAKES NO WARRANTIES, EXPRESS, IMPLIED OR STATUTORY, AS TO THE INFORMATION IN THIS PRESENTATION.</a:t>
-            </a:r>
-          </a:p>
-        </p:txBody>
-      </p:sp>
-      <p:sp>
-        <p:nvSpPr>
-          <p:cNvPr id="6" name="Date Placeholder 5"/>
-          <p:cNvSpPr>
-            <a:spLocks noGrp="1"/>
-          </p:cNvSpPr>
-          <p:nvPr>
-            <p:ph type="dt" idx="12"/>
-          </p:nvPr>
-        </p:nvSpPr>
-        <p:spPr/>
-        <p:txBody>
-          <a:bodyPr/>
-          <a:lstStyle/>
-          <a:p>
-            <a:pPr marL="0" marR="0" lvl="0" indent="0" defTabSz="914400" eaLnBrk="1" fontAlgn="auto" latinLnBrk="0" hangingPunct="1">
-              <a:lnSpc>
-                <a:spcPct val="100000"/>
-              </a:lnSpc>
-              <a:spcBef>
-                <a:spcPts val="0"/>
-              </a:spcBef>
-              <a:spcAft>
-                <a:spcPts val="0"/>
-              </a:spcAft>
-              <a:buClrTx/>
-              <a:buSzTx/>
-              <a:buFontTx/>
-              <a:buNone/>
-              <a:tabLst/>
-              <a:defRPr/>
-            </a:pPr>
-            <a:fld id="{23A5C127-CB05-47B6-8D1E-7BC74A68F508}" type="datetime8">
-              <a:rPr kumimoji="0" lang="en-US" sz="1800" b="0" i="0" u="none" strike="noStrike" kern="0" cap="none" spc="0" normalizeH="0" baseline="0" noProof="0" smtClean="0">
-                <a:ln>
-                  <a:noFill/>
-                </a:ln>
-                <a:solidFill>
-                  <a:sysClr val="windowText" lastClr="000000"/>
-                </a:solidFill>
-                <a:effectLst/>
-                <a:uLnTx/>
-                <a:uFillTx/>
-              </a:rPr>
-              <a:pPr marL="0" marR="0" lvl="0" indent="0" defTabSz="914400" eaLnBrk="1" fontAlgn="auto" latinLnBrk="0" hangingPunct="1">
-                <a:lnSpc>
-                  <a:spcPct val="100000"/>
-                </a:lnSpc>
-                <a:spcBef>
-                  <a:spcPts val="0"/>
-                </a:spcBef>
-                <a:spcAft>
-                  <a:spcPts val="0"/>
-                </a:spcAft>
-                <a:buClrTx/>
-                <a:buSzTx/>
-                <a:buFontTx/>
-                <a:buNone/>
-                <a:tabLst/>
-                <a:defRPr/>
-              </a:pPr>
-              <a:t>5/5/2024 6:15 AM</a:t>
-            </a:fld>
-            <a:endParaRPr kumimoji="0" lang="en-US" sz="1800" b="0" i="0" u="none" strike="noStrike" kern="0" cap="none" spc="0" normalizeH="0" baseline="0" noProof="0" dirty="0">
-              <a:ln>
-                <a:noFill/>
-              </a:ln>
-              <a:solidFill>
-                <a:sysClr val="windowText" lastClr="000000"/>
-              </a:solidFill>
-              <a:effectLst/>
-              <a:uLnTx/>
-              <a:uFillTx/>
-            </a:endParaRPr>
-          </a:p>
-        </p:txBody>
-      </p:sp>
-      <p:sp>
-        <p:nvSpPr>
-          <p:cNvPr id="7" name="Slide Number Placeholder 6"/>
-          <p:cNvSpPr>
-            <a:spLocks noGrp="1"/>
-          </p:cNvSpPr>
-          <p:nvPr>
-            <p:ph type="sldNum" sz="quarter" idx="13"/>
-          </p:nvPr>
-        </p:nvSpPr>
-        <p:spPr/>
-        <p:txBody>
-          <a:bodyPr/>
-          <a:lstStyle/>
-          <a:p>
-            <a:pPr marL="0" marR="0" lvl="0" indent="0" defTabSz="914400" eaLnBrk="1" fontAlgn="auto" latinLnBrk="0" hangingPunct="1">
-              <a:lnSpc>
-                <a:spcPct val="100000"/>
-              </a:lnSpc>
-              <a:spcBef>
-                <a:spcPts val="0"/>
-              </a:spcBef>
-              <a:spcAft>
-                <a:spcPts val="0"/>
-              </a:spcAft>
-              <a:buClrTx/>
-              <a:buSzTx/>
-              <a:buFontTx/>
-              <a:buNone/>
-              <a:tabLst/>
-              <a:defRPr/>
-            </a:pPr>
-            <a:fld id="{B4008EB6-D09E-4580-8CD6-DDB14511944F}" type="slidenum">
-              <a:rPr kumimoji="0" lang="en-US" sz="1800" b="0" i="0" u="none" strike="noStrike" kern="0" cap="none" spc="0" normalizeH="0" baseline="0" noProof="0" smtClean="0">
-                <a:ln>
-                  <a:noFill/>
-                </a:ln>
-                <a:solidFill>
-                  <a:sysClr val="windowText" lastClr="000000"/>
-                </a:solidFill>
-                <a:effectLst/>
-                <a:uLnTx/>
-                <a:uFillTx/>
-              </a:rPr>
-              <a:pPr marL="0" marR="0" lvl="0" indent="0" defTabSz="914400" eaLnBrk="1" fontAlgn="auto" latinLnBrk="0" hangingPunct="1">
-                <a:lnSpc>
-                  <a:spcPct val="100000"/>
-                </a:lnSpc>
-                <a:spcBef>
-                  <a:spcPts val="0"/>
-                </a:spcBef>
-                <a:spcAft>
-                  <a:spcPts val="0"/>
-                </a:spcAft>
-                <a:buClrTx/>
-                <a:buSzTx/>
-                <a:buFontTx/>
-                <a:buNone/>
-                <a:tabLst/>
-                <a:defRPr/>
-              </a:pPr>
+            <a:fld id="{4CBCEA92-F142-4D57-B507-37BDAF44710C}" type="slidenum">
+              <a:rPr lang="en-US" smtClean="0"/>
               <a:t>16</a:t>
             </a:fld>
-            <a:endParaRPr kumimoji="0" lang="en-US" sz="1800" b="0" i="0" u="none" strike="noStrike" kern="0" cap="none" spc="0" normalizeH="0" baseline="0" noProof="0" dirty="0">
-              <a:ln>
-                <a:noFill/>
-              </a:ln>
-              <a:solidFill>
-                <a:sysClr val="windowText" lastClr="000000"/>
-              </a:solidFill>
-              <a:effectLst/>
-              <a:uLnTx/>
-              <a:uFillTx/>
-            </a:endParaRPr>
+            <a:endParaRPr lang="en-US" dirty="0"/>
           </a:p>
         </p:txBody>
       </p:sp>
     </p:spTree>
     <p:extLst>
       <p:ext uri="{BB962C8B-B14F-4D97-AF65-F5344CB8AC3E}">
-        <p14:creationId xmlns:p14="http://schemas.microsoft.com/office/powerpoint/2010/main" val="2297713195"/>
+        <p14:creationId xmlns:p14="http://schemas.microsoft.com/office/powerpoint/2010/main" val="136205948"/>
       </p:ext>
     </p:extLst>
   </p:cSld>
@@ -1922,12 +1687,12 @@
       </p:sp>
       <p:sp>
         <p:nvSpPr>
-          <p:cNvPr id="4" name="Slide Number Placeholder 3"/>
+          <p:cNvPr id="4" name="Header Placeholder 3"/>
           <p:cNvSpPr>
             <a:spLocks noGrp="1"/>
           </p:cNvSpPr>
           <p:nvPr>
-            <p:ph type="sldNum" sz="quarter" idx="10"/>
+            <p:ph type="hdr" sz="quarter" idx="10"/>
           </p:nvPr>
         </p:nvSpPr>
         <p:spPr/>
@@ -1935,18 +1700,255 @@
           <a:bodyPr/>
           <a:lstStyle/>
           <a:p>
-            <a:fld id="{4CBCEA92-F142-4D57-B507-37BDAF44710C}" type="slidenum">
-              <a:rPr lang="en-US" smtClean="0"/>
+            <a:pPr marL="0" marR="0" lvl="0" indent="0" defTabSz="914400" eaLnBrk="1" fontAlgn="auto" latinLnBrk="0" hangingPunct="1">
+              <a:lnSpc>
+                <a:spcPct val="100000"/>
+              </a:lnSpc>
+              <a:spcBef>
+                <a:spcPts val="0"/>
+              </a:spcBef>
+              <a:spcAft>
+                <a:spcPts val="0"/>
+              </a:spcAft>
+              <a:buClrTx/>
+              <a:buSzTx/>
+              <a:buFontTx/>
+              <a:buNone/>
+              <a:tabLst/>
+              <a:defRPr/>
+            </a:pPr>
+            <a:endParaRPr kumimoji="0" lang="en-US" sz="1800" b="0" i="0" u="none" strike="noStrike" kern="0" cap="none" spc="0" normalizeH="0" baseline="0" noProof="0" dirty="0">
+              <a:ln>
+                <a:noFill/>
+              </a:ln>
+              <a:solidFill>
+                <a:sysClr val="windowText" lastClr="000000"/>
+              </a:solidFill>
+              <a:effectLst/>
+              <a:uLnTx/>
+              <a:uFillTx/>
+            </a:endParaRPr>
+          </a:p>
+        </p:txBody>
+      </p:sp>
+      <p:sp>
+        <p:nvSpPr>
+          <p:cNvPr id="5" name="Footer Placeholder 4"/>
+          <p:cNvSpPr>
+            <a:spLocks noGrp="1"/>
+          </p:cNvSpPr>
+          <p:nvPr>
+            <p:ph type="ftr" sz="quarter" idx="11"/>
+          </p:nvPr>
+        </p:nvSpPr>
+        <p:spPr/>
+        <p:txBody>
+          <a:bodyPr/>
+          <a:lstStyle/>
+          <a:p>
+            <a:pPr marL="0" marR="0" lvl="0" indent="0" defTabSz="914099" eaLnBrk="0" fontAlgn="auto" latinLnBrk="0" hangingPunct="0">
+              <a:lnSpc>
+                <a:spcPct val="100000"/>
+              </a:lnSpc>
+              <a:spcBef>
+                <a:spcPts val="0"/>
+              </a:spcBef>
+              <a:spcAft>
+                <a:spcPts val="0"/>
+              </a:spcAft>
+              <a:buClrTx/>
+              <a:buSzTx/>
+              <a:buFontTx/>
+              <a:buNone/>
+              <a:tabLst/>
+              <a:defRPr/>
+            </a:pPr>
+            <a:r>
+              <a:rPr kumimoji="0" lang="en-US" sz="400" b="0" i="0" u="none" strike="noStrike" kern="0" cap="none" spc="0" normalizeH="0" baseline="0" noProof="0" dirty="0">
+                <a:ln>
+                  <a:noFill/>
+                </a:ln>
+                <a:gradFill>
+                  <a:gsLst>
+                    <a:gs pos="0">
+                      <a:prstClr val="black"/>
+                    </a:gs>
+                    <a:gs pos="100000">
+                      <a:prstClr val="black"/>
+                    </a:gs>
+                  </a:gsLst>
+                  <a:lin ang="5400000" scaled="0"/>
+                </a:gradFill>
+                <a:effectLst/>
+                <a:uLnTx/>
+                <a:uFillTx/>
+                <a:latin typeface="Segoe UI" pitchFamily="34" charset="0"/>
+                <a:ea typeface="Segoe UI" pitchFamily="34" charset="0"/>
+                <a:cs typeface="Segoe UI" pitchFamily="34" charset="0"/>
+              </a:rPr>
+              <a:t>© 2014 Microsoft Corporation. All rights reserved. MICROSOFT MAKES NO WARRANTIES, EXPRESS, IMPLIED OR STATUTORY, AS TO THE INFORMATION IN THIS PRESENTATION.</a:t>
+            </a:r>
+          </a:p>
+        </p:txBody>
+      </p:sp>
+      <p:sp>
+        <p:nvSpPr>
+          <p:cNvPr id="6" name="Date Placeholder 5"/>
+          <p:cNvSpPr>
+            <a:spLocks noGrp="1"/>
+          </p:cNvSpPr>
+          <p:nvPr>
+            <p:ph type="dt" idx="12"/>
+          </p:nvPr>
+        </p:nvSpPr>
+        <p:spPr/>
+        <p:txBody>
+          <a:bodyPr/>
+          <a:lstStyle/>
+          <a:p>
+            <a:pPr marL="0" marR="0" lvl="0" indent="0" defTabSz="914400" eaLnBrk="1" fontAlgn="auto" latinLnBrk="0" hangingPunct="1">
+              <a:lnSpc>
+                <a:spcPct val="100000"/>
+              </a:lnSpc>
+              <a:spcBef>
+                <a:spcPts val="0"/>
+              </a:spcBef>
+              <a:spcAft>
+                <a:spcPts val="0"/>
+              </a:spcAft>
+              <a:buClrTx/>
+              <a:buSzTx/>
+              <a:buFontTx/>
+              <a:buNone/>
+              <a:tabLst/>
+              <a:defRPr/>
+            </a:pPr>
+            <a:fld id="{23A5C127-CB05-47B6-8D1E-7BC74A68F508}" type="datetime8">
+              <a:rPr kumimoji="0" lang="en-US" sz="1800" b="0" i="0" u="none" strike="noStrike" kern="0" cap="none" spc="0" normalizeH="0" baseline="0" noProof="0" smtClean="0">
+                <a:ln>
+                  <a:noFill/>
+                </a:ln>
+                <a:solidFill>
+                  <a:sysClr val="windowText" lastClr="000000"/>
+                </a:solidFill>
+                <a:effectLst/>
+                <a:uLnTx/>
+                <a:uFillTx/>
+              </a:rPr>
+              <a:pPr marL="0" marR="0" lvl="0" indent="0" defTabSz="914400" eaLnBrk="1" fontAlgn="auto" latinLnBrk="0" hangingPunct="1">
+                <a:lnSpc>
+                  <a:spcPct val="100000"/>
+                </a:lnSpc>
+                <a:spcBef>
+                  <a:spcPts val="0"/>
+                </a:spcBef>
+                <a:spcAft>
+                  <a:spcPts val="0"/>
+                </a:spcAft>
+                <a:buClrTx/>
+                <a:buSzTx/>
+                <a:buFontTx/>
+                <a:buNone/>
+                <a:tabLst/>
+                <a:defRPr/>
+              </a:pPr>
+              <a:t>5/5/2024 9:30 AM</a:t>
+            </a:fld>
+            <a:endParaRPr kumimoji="0" lang="en-US" sz="1800" b="0" i="0" u="none" strike="noStrike" kern="0" cap="none" spc="0" normalizeH="0" baseline="0" noProof="0" dirty="0">
+              <a:ln>
+                <a:noFill/>
+              </a:ln>
+              <a:solidFill>
+                <a:sysClr val="windowText" lastClr="000000"/>
+              </a:solidFill>
+              <a:effectLst/>
+              <a:uLnTx/>
+              <a:uFillTx/>
+            </a:endParaRPr>
+          </a:p>
+        </p:txBody>
+      </p:sp>
+      <p:sp>
+        <p:nvSpPr>
+          <p:cNvPr id="7" name="Slide Number Placeholder 6"/>
+          <p:cNvSpPr>
+            <a:spLocks noGrp="1"/>
+          </p:cNvSpPr>
+          <p:nvPr>
+            <p:ph type="sldNum" sz="quarter" idx="13"/>
+          </p:nvPr>
+        </p:nvSpPr>
+        <p:spPr/>
+        <p:txBody>
+          <a:bodyPr/>
+          <a:lstStyle/>
+          <a:p>
+            <a:pPr marL="0" marR="0" lvl="0" indent="0" defTabSz="914400" eaLnBrk="1" fontAlgn="auto" latinLnBrk="0" hangingPunct="1">
+              <a:lnSpc>
+                <a:spcPct val="100000"/>
+              </a:lnSpc>
+              <a:spcBef>
+                <a:spcPts val="0"/>
+              </a:spcBef>
+              <a:spcAft>
+                <a:spcPts val="0"/>
+              </a:spcAft>
+              <a:buClrTx/>
+              <a:buSzTx/>
+              <a:buFontTx/>
+              <a:buNone/>
+              <a:tabLst/>
+              <a:defRPr/>
+            </a:pPr>
+            <a:fld id="{B4008EB6-D09E-4580-8CD6-DDB14511944F}" type="slidenum">
+              <a:rPr kumimoji="0" lang="en-US" sz="1800" b="0" i="0" u="none" strike="noStrike" kern="0" cap="none" spc="0" normalizeH="0" baseline="0" noProof="0" smtClean="0">
+                <a:ln>
+                  <a:noFill/>
+                </a:ln>
+                <a:solidFill>
+                  <a:sysClr val="windowText" lastClr="000000"/>
+                </a:solidFill>
+                <a:effectLst/>
+                <a:uLnTx/>
+                <a:uFillTx/>
+              </a:rPr>
+              <a:pPr marL="0" marR="0" lvl="0" indent="0" defTabSz="914400" eaLnBrk="1" fontAlgn="auto" latinLnBrk="0" hangingPunct="1">
+                <a:lnSpc>
+                  <a:spcPct val="100000"/>
+                </a:lnSpc>
+                <a:spcBef>
+                  <a:spcPts val="0"/>
+                </a:spcBef>
+                <a:spcAft>
+                  <a:spcPts val="0"/>
+                </a:spcAft>
+                <a:buClrTx/>
+                <a:buSzTx/>
+                <a:buFontTx/>
+                <a:buNone/>
+                <a:tabLst/>
+                <a:defRPr/>
+              </a:pPr>
               <a:t>17</a:t>
             </a:fld>
-            <a:endParaRPr lang="en-US" dirty="0"/>
+            <a:endParaRPr kumimoji="0" lang="en-US" sz="1800" b="0" i="0" u="none" strike="noStrike" kern="0" cap="none" spc="0" normalizeH="0" baseline="0" noProof="0" dirty="0">
+              <a:ln>
+                <a:noFill/>
+              </a:ln>
+              <a:solidFill>
+                <a:sysClr val="windowText" lastClr="000000"/>
+              </a:solidFill>
+              <a:effectLst/>
+              <a:uLnTx/>
+              <a:uFillTx/>
+            </a:endParaRPr>
           </a:p>
         </p:txBody>
       </p:sp>
     </p:spTree>
     <p:extLst>
       <p:ext uri="{BB962C8B-B14F-4D97-AF65-F5344CB8AC3E}">
-        <p14:creationId xmlns:p14="http://schemas.microsoft.com/office/powerpoint/2010/main" val="1189618860"/>
+        <p14:creationId xmlns:p14="http://schemas.microsoft.com/office/powerpoint/2010/main" val="2297713195"/>
       </p:ext>
     </p:extLst>
   </p:cSld>
@@ -2000,14 +2002,6 @@
           <a:bodyPr/>
           <a:lstStyle/>
           <a:p>
-            <a:r>
-              <a:rPr lang="en-US" dirty="0"/>
-              <a:t>Combine a</a:t>
-            </a:r>
-            <a:r>
-              <a:rPr lang="en-US" baseline="0" dirty="0"/>
-              <a:t>n image and multiple key statements with a strong grid.</a:t>
-            </a:r>
             <a:endParaRPr lang="en-US" dirty="0"/>
           </a:p>
         </p:txBody>
@@ -2038,7 +2032,7 @@
     </p:spTree>
     <p:extLst>
       <p:ext uri="{BB962C8B-B14F-4D97-AF65-F5344CB8AC3E}">
-        <p14:creationId xmlns:p14="http://schemas.microsoft.com/office/powerpoint/2010/main" val="603005151"/>
+        <p14:creationId xmlns:p14="http://schemas.microsoft.com/office/powerpoint/2010/main" val="1189618860"/>
       </p:ext>
     </p:extLst>
   </p:cSld>
@@ -2092,6 +2086,14 @@
           <a:bodyPr/>
           <a:lstStyle/>
           <a:p>
+            <a:r>
+              <a:rPr lang="en-US" dirty="0"/>
+              <a:t>Combine a</a:t>
+            </a:r>
+            <a:r>
+              <a:rPr lang="en-US" baseline="0" dirty="0"/>
+              <a:t>n image and multiple key statements with a strong grid.</a:t>
+            </a:r>
             <a:endParaRPr lang="en-US" dirty="0"/>
           </a:p>
         </p:txBody>
@@ -2103,7 +2105,7 @@
             <a:spLocks noGrp="1"/>
           </p:cNvSpPr>
           <p:nvPr>
-            <p:ph type="sldNum" sz="quarter" idx="5"/>
+            <p:ph type="sldNum" sz="quarter" idx="10"/>
           </p:nvPr>
         </p:nvSpPr>
         <p:spPr/>
@@ -2122,7 +2124,7 @@
     </p:spTree>
     <p:extLst>
       <p:ext uri="{BB962C8B-B14F-4D97-AF65-F5344CB8AC3E}">
-        <p14:creationId xmlns:p14="http://schemas.microsoft.com/office/powerpoint/2010/main" val="2184289671"/>
+        <p14:creationId xmlns:p14="http://schemas.microsoft.com/office/powerpoint/2010/main" val="603005151"/>
       </p:ext>
     </p:extLst>
   </p:cSld>
@@ -2282,6 +2284,90 @@
             <a:fld id="{4CBCEA92-F142-4D57-B507-37BDAF44710C}" type="slidenum">
               <a:rPr lang="en-US" smtClean="0"/>
               <a:t>20</a:t>
+            </a:fld>
+            <a:endParaRPr lang="en-US" dirty="0"/>
+          </a:p>
+        </p:txBody>
+      </p:sp>
+    </p:spTree>
+    <p:extLst>
+      <p:ext uri="{BB962C8B-B14F-4D97-AF65-F5344CB8AC3E}">
+        <p14:creationId xmlns:p14="http://schemas.microsoft.com/office/powerpoint/2010/main" val="2184289671"/>
+      </p:ext>
+    </p:extLst>
+  </p:cSld>
+  <p:clrMapOvr>
+    <a:masterClrMapping/>
+  </p:clrMapOvr>
+</p:notes>
+</file>
+
+<file path=ppt/notesSlides/notesSlide21.xml><?xml version="1.0" encoding="utf-8"?>
+<p:notes xmlns:a="http://schemas.openxmlformats.org/drawingml/2006/main" xmlns:r="http://schemas.openxmlformats.org/officeDocument/2006/relationships" xmlns:p="http://schemas.openxmlformats.org/presentationml/2006/main">
+  <p:cSld>
+    <p:spTree>
+      <p:nvGrpSpPr>
+        <p:cNvPr id="1" name=""/>
+        <p:cNvGrpSpPr/>
+        <p:nvPr/>
+      </p:nvGrpSpPr>
+      <p:grpSpPr>
+        <a:xfrm>
+          <a:off x="0" y="0"/>
+          <a:ext cx="0" cy="0"/>
+          <a:chOff x="0" y="0"/>
+          <a:chExt cx="0" cy="0"/>
+        </a:xfrm>
+      </p:grpSpPr>
+      <p:sp>
+        <p:nvSpPr>
+          <p:cNvPr id="2" name="Slide Image Placeholder 1"/>
+          <p:cNvSpPr>
+            <a:spLocks noGrp="1" noRot="1" noChangeAspect="1"/>
+          </p:cNvSpPr>
+          <p:nvPr>
+            <p:ph type="sldImg"/>
+          </p:nvPr>
+        </p:nvSpPr>
+        <p:spPr/>
+      </p:sp>
+      <p:sp>
+        <p:nvSpPr>
+          <p:cNvPr id="3" name="Notes Placeholder 2"/>
+          <p:cNvSpPr>
+            <a:spLocks noGrp="1"/>
+          </p:cNvSpPr>
+          <p:nvPr>
+            <p:ph type="body" idx="1"/>
+          </p:nvPr>
+        </p:nvSpPr>
+        <p:spPr/>
+        <p:txBody>
+          <a:bodyPr/>
+          <a:lstStyle/>
+          <a:p>
+            <a:endParaRPr lang="en-US" dirty="0"/>
+          </a:p>
+        </p:txBody>
+      </p:sp>
+      <p:sp>
+        <p:nvSpPr>
+          <p:cNvPr id="4" name="Slide Number Placeholder 3"/>
+          <p:cNvSpPr>
+            <a:spLocks noGrp="1"/>
+          </p:cNvSpPr>
+          <p:nvPr>
+            <p:ph type="sldNum" sz="quarter" idx="5"/>
+          </p:nvPr>
+        </p:nvSpPr>
+        <p:spPr/>
+        <p:txBody>
+          <a:bodyPr/>
+          <a:lstStyle/>
+          <a:p>
+            <a:fld id="{4CBCEA92-F142-4D57-B507-37BDAF44710C}" type="slidenum">
+              <a:rPr lang="en-US" smtClean="0"/>
+              <a:t>21</a:t>
             </a:fld>
             <a:endParaRPr lang="en-US" dirty="0"/>
           </a:p>
@@ -23535,6 +23621,1547 @@
       </p:grpSpPr>
       <p:sp>
         <p:nvSpPr>
+          <p:cNvPr id="65" name="Freeform: Shape 64"/>
+          <p:cNvSpPr>
+            <a:spLocks noChangeAspect="1"/>
+          </p:cNvSpPr>
+          <p:nvPr/>
+        </p:nvSpPr>
+        <p:spPr>
+          <a:xfrm>
+            <a:off x="232519" y="-2693505"/>
+            <a:ext cx="4728754" cy="4728754"/>
+          </a:xfrm>
+          <a:custGeom>
+            <a:avLst/>
+            <a:gdLst>
+              <a:gd name="connsiteX0" fmla="*/ 244064 w 488128"/>
+              <a:gd name="connsiteY0" fmla="*/ 0 h 488128"/>
+              <a:gd name="connsiteX1" fmla="*/ 488128 w 488128"/>
+              <a:gd name="connsiteY1" fmla="*/ 244064 h 488128"/>
+              <a:gd name="connsiteX2" fmla="*/ 244064 w 488128"/>
+              <a:gd name="connsiteY2" fmla="*/ 488128 h 488128"/>
+              <a:gd name="connsiteX3" fmla="*/ 0 w 488128"/>
+              <a:gd name="connsiteY3" fmla="*/ 244064 h 488128"/>
+              <a:gd name="connsiteX4" fmla="*/ 244064 w 488128"/>
+              <a:gd name="connsiteY4" fmla="*/ 0 h 488128"/>
+            </a:gdLst>
+            <a:ahLst/>
+            <a:cxnLst>
+              <a:cxn ang="0">
+                <a:pos x="connsiteX0" y="connsiteY0"/>
+              </a:cxn>
+              <a:cxn ang="0">
+                <a:pos x="connsiteX1" y="connsiteY1"/>
+              </a:cxn>
+              <a:cxn ang="0">
+                <a:pos x="connsiteX2" y="connsiteY2"/>
+              </a:cxn>
+              <a:cxn ang="0">
+                <a:pos x="connsiteX3" y="connsiteY3"/>
+              </a:cxn>
+              <a:cxn ang="0">
+                <a:pos x="connsiteX4" y="connsiteY4"/>
+              </a:cxn>
+            </a:cxnLst>
+            <a:rect l="l" t="t" r="r" b="b"/>
+            <a:pathLst>
+              <a:path w="488128" h="488128">
+                <a:moveTo>
+                  <a:pt x="244064" y="0"/>
+                </a:moveTo>
+                <a:cubicBezTo>
+                  <a:pt x="378857" y="0"/>
+                  <a:pt x="488128" y="109271"/>
+                  <a:pt x="488128" y="244064"/>
+                </a:cubicBezTo>
+                <a:cubicBezTo>
+                  <a:pt x="488128" y="378857"/>
+                  <a:pt x="378857" y="488128"/>
+                  <a:pt x="244064" y="488128"/>
+                </a:cubicBezTo>
+                <a:cubicBezTo>
+                  <a:pt x="109271" y="488128"/>
+                  <a:pt x="0" y="378857"/>
+                  <a:pt x="0" y="244064"/>
+                </a:cubicBezTo>
+                <a:cubicBezTo>
+                  <a:pt x="0" y="109271"/>
+                  <a:pt x="109271" y="0"/>
+                  <a:pt x="244064" y="0"/>
+                </a:cubicBezTo>
+                <a:close/>
+              </a:path>
+            </a:pathLst>
+          </a:custGeom>
+          <a:solidFill>
+            <a:schemeClr val="tx1"/>
+          </a:solidFill>
+          <a:ln>
+            <a:noFill/>
+          </a:ln>
+        </p:spPr>
+        <p:style>
+          <a:lnRef idx="2">
+            <a:schemeClr val="accent1">
+              <a:shade val="50000"/>
+            </a:schemeClr>
+          </a:lnRef>
+          <a:fillRef idx="1">
+            <a:schemeClr val="accent1"/>
+          </a:fillRef>
+          <a:effectRef idx="0">
+            <a:schemeClr val="accent1"/>
+          </a:effectRef>
+          <a:fontRef idx="minor">
+            <a:schemeClr val="lt1"/>
+          </a:fontRef>
+        </p:style>
+        <p:txBody>
+          <a:bodyPr wrap="square" rtlCol="0" anchor="ctr">
+            <a:noAutofit/>
+          </a:bodyPr>
+          <a:lstStyle/>
+          <a:p>
+            <a:pPr marL="0" marR="0" lvl="0" indent="0" algn="ctr" defTabSz="914400" eaLnBrk="1" fontAlgn="auto" latinLnBrk="0" hangingPunct="1">
+              <a:lnSpc>
+                <a:spcPct val="100000"/>
+              </a:lnSpc>
+              <a:spcBef>
+                <a:spcPts val="0"/>
+              </a:spcBef>
+              <a:spcAft>
+                <a:spcPts val="0"/>
+              </a:spcAft>
+              <a:buClrTx/>
+              <a:buSzTx/>
+              <a:buFontTx/>
+              <a:buNone/>
+              <a:tabLst/>
+              <a:defRPr/>
+            </a:pPr>
+            <a:endParaRPr kumimoji="0" lang="en-US" sz="1800" b="0" i="0" u="none" strike="noStrike" kern="0" cap="none" spc="0" normalizeH="0" baseline="0" dirty="0">
+              <a:ln>
+                <a:noFill/>
+              </a:ln>
+              <a:solidFill>
+                <a:sysClr val="windowText" lastClr="000000"/>
+              </a:solidFill>
+              <a:effectLst/>
+              <a:uLnTx/>
+              <a:uFillTx/>
+            </a:endParaRPr>
+          </a:p>
+        </p:txBody>
+      </p:sp>
+      <p:sp>
+        <p:nvSpPr>
+          <p:cNvPr id="32" name="Title 31"/>
+          <p:cNvSpPr>
+            <a:spLocks noGrp="1"/>
+          </p:cNvSpPr>
+          <p:nvPr>
+            <p:ph type="title"/>
+          </p:nvPr>
+        </p:nvSpPr>
+        <p:spPr>
+          <a:xfrm>
+            <a:off x="555244" y="0"/>
+            <a:ext cx="4083304" cy="1357295"/>
+          </a:xfrm>
+        </p:spPr>
+        <p:txBody>
+          <a:bodyPr/>
+          <a:lstStyle/>
+          <a:p>
+            <a:r>
+              <a:rPr lang="sv-SE" dirty="0"/>
+              <a:t>Poster </a:t>
+            </a:r>
+            <a:br>
+              <a:rPr lang="sv-SE" dirty="0"/>
+            </a:br>
+            <a:endParaRPr lang="en-US" b="1" dirty="0">
+              <a:gradFill>
+                <a:gsLst>
+                  <a:gs pos="15000">
+                    <a:schemeClr val="bg1"/>
+                  </a:gs>
+                  <a:gs pos="47000">
+                    <a:schemeClr val="bg1"/>
+                  </a:gs>
+                </a:gsLst>
+                <a:lin ang="5400000" scaled="1"/>
+              </a:gradFill>
+            </a:endParaRPr>
+          </a:p>
+        </p:txBody>
+      </p:sp>
+      <p:sp>
+        <p:nvSpPr>
+          <p:cNvPr id="21" name="Text Placeholder 20"/>
+          <p:cNvSpPr>
+            <a:spLocks noGrp="1"/>
+          </p:cNvSpPr>
+          <p:nvPr>
+            <p:ph type="body" sz="quarter" idx="12"/>
+          </p:nvPr>
+        </p:nvSpPr>
+        <p:spPr>
+          <a:xfrm>
+            <a:off x="959716" y="2205370"/>
+            <a:ext cx="4555560" cy="4401205"/>
+          </a:xfrm>
+        </p:spPr>
+        <p:txBody>
+          <a:bodyPr/>
+          <a:lstStyle/>
+          <a:p>
+            <a:pPr>
+              <a:lnSpc>
+                <a:spcPct val="100000"/>
+              </a:lnSpc>
+              <a:spcBef>
+                <a:spcPts val="0"/>
+              </a:spcBef>
+            </a:pPr>
+            <a:r>
+              <a:rPr lang="en-US" sz="2800" dirty="0" err="1">
+                <a:solidFill>
+                  <a:srgbClr val="002060"/>
+                </a:solidFill>
+              </a:rPr>
+              <a:t>Dimensi</a:t>
+            </a:r>
+            <a:endParaRPr lang="en-US" sz="2800" dirty="0">
+              <a:solidFill>
+                <a:srgbClr val="002060"/>
+              </a:solidFill>
+            </a:endParaRPr>
+          </a:p>
+          <a:p>
+            <a:pPr marL="457200" indent="-457200">
+              <a:lnSpc>
+                <a:spcPct val="100000"/>
+              </a:lnSpc>
+              <a:spcBef>
+                <a:spcPts val="0"/>
+              </a:spcBef>
+              <a:buFont typeface="Wingdings" panose="05000000000000000000" pitchFamily="2" charset="2"/>
+              <a:buChar char="ü"/>
+            </a:pPr>
+            <a:r>
+              <a:rPr lang="en-US" sz="2800" dirty="0">
+                <a:solidFill>
+                  <a:srgbClr val="002060"/>
+                </a:solidFill>
+              </a:rPr>
+              <a:t>60 x 90</a:t>
+            </a:r>
+          </a:p>
+          <a:p>
+            <a:pPr marL="457200" indent="-457200">
+              <a:lnSpc>
+                <a:spcPct val="100000"/>
+              </a:lnSpc>
+              <a:spcBef>
+                <a:spcPts val="0"/>
+              </a:spcBef>
+              <a:buFont typeface="Wingdings" panose="05000000000000000000" pitchFamily="2" charset="2"/>
+              <a:buChar char="ü"/>
+            </a:pPr>
+            <a:r>
+              <a:rPr lang="en-US" sz="2800" dirty="0">
+                <a:solidFill>
+                  <a:srgbClr val="002060"/>
+                </a:solidFill>
+              </a:rPr>
+              <a:t>70 x 80</a:t>
+            </a:r>
+          </a:p>
+          <a:p>
+            <a:pPr marL="457200" indent="-457200">
+              <a:lnSpc>
+                <a:spcPct val="100000"/>
+              </a:lnSpc>
+              <a:spcBef>
+                <a:spcPts val="0"/>
+              </a:spcBef>
+              <a:buFont typeface="Wingdings" panose="05000000000000000000" pitchFamily="2" charset="2"/>
+              <a:buChar char="ü"/>
+            </a:pPr>
+            <a:r>
+              <a:rPr lang="en-US" sz="2800" dirty="0">
+                <a:solidFill>
+                  <a:srgbClr val="002060"/>
+                </a:solidFill>
+              </a:rPr>
+              <a:t>120 x 240</a:t>
+            </a:r>
+          </a:p>
+          <a:p>
+            <a:pPr>
+              <a:lnSpc>
+                <a:spcPct val="100000"/>
+              </a:lnSpc>
+              <a:spcBef>
+                <a:spcPts val="0"/>
+              </a:spcBef>
+            </a:pPr>
+            <a:endParaRPr lang="en-US" sz="2800" dirty="0">
+              <a:solidFill>
+                <a:srgbClr val="002060"/>
+              </a:solidFill>
+            </a:endParaRPr>
+          </a:p>
+          <a:p>
+            <a:pPr>
+              <a:lnSpc>
+                <a:spcPct val="100000"/>
+              </a:lnSpc>
+              <a:spcBef>
+                <a:spcPts val="0"/>
+              </a:spcBef>
+            </a:pPr>
+            <a:r>
+              <a:rPr lang="en-US" sz="2800" dirty="0">
+                <a:solidFill>
+                  <a:srgbClr val="002060"/>
+                </a:solidFill>
+              </a:rPr>
+              <a:t>Text Visibility, </a:t>
+            </a:r>
+            <a:r>
+              <a:rPr lang="en-US" sz="2800" dirty="0" err="1">
+                <a:solidFill>
+                  <a:srgbClr val="002060"/>
+                </a:solidFill>
+              </a:rPr>
+              <a:t>terlihat</a:t>
+            </a:r>
+            <a:r>
+              <a:rPr lang="en-US" sz="2800" dirty="0">
+                <a:solidFill>
+                  <a:srgbClr val="002060"/>
+                </a:solidFill>
+              </a:rPr>
+              <a:t> pada </a:t>
+            </a:r>
+            <a:r>
+              <a:rPr lang="en-US" sz="2800" dirty="0" err="1">
+                <a:solidFill>
+                  <a:srgbClr val="002060"/>
+                </a:solidFill>
+              </a:rPr>
+              <a:t>jarak</a:t>
+            </a:r>
+            <a:r>
+              <a:rPr lang="en-US" sz="2800" dirty="0">
+                <a:solidFill>
+                  <a:srgbClr val="002060"/>
+                </a:solidFill>
+              </a:rPr>
+              <a:t> 2 meter</a:t>
+            </a:r>
+          </a:p>
+          <a:p>
+            <a:pPr>
+              <a:lnSpc>
+                <a:spcPct val="100000"/>
+              </a:lnSpc>
+              <a:spcBef>
+                <a:spcPts val="0"/>
+              </a:spcBef>
+            </a:pPr>
+            <a:r>
+              <a:rPr lang="en-US" sz="2800" dirty="0" err="1">
+                <a:solidFill>
+                  <a:srgbClr val="002060"/>
+                </a:solidFill>
+              </a:rPr>
+              <a:t>Warna</a:t>
+            </a:r>
+            <a:r>
+              <a:rPr lang="en-US" sz="2800" dirty="0">
+                <a:solidFill>
+                  <a:srgbClr val="002060"/>
+                </a:solidFill>
+              </a:rPr>
+              <a:t> </a:t>
+            </a:r>
+            <a:r>
+              <a:rPr lang="en-US" sz="2800" dirty="0" err="1">
+                <a:solidFill>
+                  <a:srgbClr val="002060"/>
+                </a:solidFill>
+              </a:rPr>
+              <a:t>Cerah</a:t>
+            </a:r>
+            <a:r>
+              <a:rPr lang="en-US" sz="2800" dirty="0">
+                <a:solidFill>
+                  <a:srgbClr val="002060"/>
+                </a:solidFill>
+              </a:rPr>
+              <a:t> – </a:t>
+            </a:r>
+            <a:r>
+              <a:rPr lang="en-US" sz="2800" dirty="0" err="1">
+                <a:solidFill>
+                  <a:srgbClr val="002060"/>
+                </a:solidFill>
+              </a:rPr>
+              <a:t>kuat</a:t>
+            </a:r>
+            <a:endParaRPr lang="en-US" sz="2800" dirty="0">
+              <a:solidFill>
+                <a:srgbClr val="002060"/>
+              </a:solidFill>
+            </a:endParaRPr>
+          </a:p>
+          <a:p>
+            <a:pPr>
+              <a:lnSpc>
+                <a:spcPct val="100000"/>
+              </a:lnSpc>
+              <a:spcBef>
+                <a:spcPts val="0"/>
+              </a:spcBef>
+            </a:pPr>
+            <a:endParaRPr lang="en-US" sz="2800" dirty="0">
+              <a:solidFill>
+                <a:srgbClr val="002060"/>
+              </a:solidFill>
+            </a:endParaRPr>
+          </a:p>
+          <a:p>
+            <a:pPr>
+              <a:lnSpc>
+                <a:spcPct val="100000"/>
+              </a:lnSpc>
+              <a:spcBef>
+                <a:spcPts val="0"/>
+              </a:spcBef>
+            </a:pPr>
+            <a:endParaRPr lang="en-US" sz="2800" dirty="0">
+              <a:solidFill>
+                <a:srgbClr val="002060"/>
+              </a:solidFill>
+            </a:endParaRPr>
+          </a:p>
+        </p:txBody>
+      </p:sp>
+      <p:sp>
+        <p:nvSpPr>
+          <p:cNvPr id="3" name="TextBox 2">
+            <a:extLst>
+              <a:ext uri="{FF2B5EF4-FFF2-40B4-BE49-F238E27FC236}">
+                <a16:creationId xmlns:a16="http://schemas.microsoft.com/office/drawing/2014/main" id="{0A297F86-2473-5EAE-C143-926AEE6A052C}"/>
+              </a:ext>
+            </a:extLst>
+          </p:cNvPr>
+          <p:cNvSpPr txBox="1"/>
+          <p:nvPr/>
+        </p:nvSpPr>
+        <p:spPr>
+          <a:xfrm>
+            <a:off x="4961273" y="400117"/>
+            <a:ext cx="6535181" cy="966803"/>
+          </a:xfrm>
+          <a:prstGeom prst="rect">
+            <a:avLst/>
+          </a:prstGeom>
+          <a:noFill/>
+        </p:spPr>
+        <p:txBody>
+          <a:bodyPr wrap="square">
+            <a:spAutoFit/>
+          </a:bodyPr>
+          <a:lstStyle/>
+          <a:p>
+            <a:pPr algn="just">
+              <a:lnSpc>
+                <a:spcPct val="107000"/>
+              </a:lnSpc>
+              <a:spcAft>
+                <a:spcPts val="800"/>
+              </a:spcAft>
+            </a:pPr>
+            <a:r>
+              <a:rPr lang="en-US" sz="1800" dirty="0">
+                <a:effectLst/>
+                <a:latin typeface="Times New Roman" panose="02020603050405020304" pitchFamily="18" charset="0"/>
+                <a:ea typeface="Calibri" panose="020F0502020204030204" pitchFamily="34" charset="0"/>
+                <a:cs typeface="Times New Roman" panose="02020603050405020304" pitchFamily="18" charset="0"/>
+              </a:rPr>
+              <a:t>Poster </a:t>
+            </a:r>
+            <a:r>
+              <a:rPr lang="en-US" sz="1800" dirty="0" err="1">
+                <a:effectLst/>
+                <a:latin typeface="Times New Roman" panose="02020603050405020304" pitchFamily="18" charset="0"/>
+                <a:ea typeface="Calibri" panose="020F0502020204030204" pitchFamily="34" charset="0"/>
+                <a:cs typeface="Times New Roman" panose="02020603050405020304" pitchFamily="18" charset="0"/>
+              </a:rPr>
+              <a:t>adalah</a:t>
+            </a:r>
+            <a:r>
+              <a:rPr lang="en-US" sz="1800" dirty="0">
+                <a:effectLst/>
+                <a:latin typeface="Times New Roman" panose="02020603050405020304" pitchFamily="18" charset="0"/>
+                <a:ea typeface="Calibri" panose="020F0502020204030204" pitchFamily="34" charset="0"/>
+                <a:cs typeface="Times New Roman" panose="02020603050405020304" pitchFamily="18" charset="0"/>
+              </a:rPr>
+              <a:t> media </a:t>
+            </a:r>
+            <a:r>
+              <a:rPr lang="en-US" sz="1800" dirty="0" err="1">
+                <a:effectLst/>
+                <a:latin typeface="Times New Roman" panose="02020603050405020304" pitchFamily="18" charset="0"/>
+                <a:ea typeface="Calibri" panose="020F0502020204030204" pitchFamily="34" charset="0"/>
+                <a:cs typeface="Times New Roman" panose="02020603050405020304" pitchFamily="18" charset="0"/>
+              </a:rPr>
+              <a:t>publikasi</a:t>
+            </a:r>
+            <a:r>
+              <a:rPr lang="en-US" sz="1800" dirty="0">
+                <a:effectLst/>
+                <a:latin typeface="Times New Roman" panose="02020603050405020304" pitchFamily="18" charset="0"/>
+                <a:ea typeface="Calibri" panose="020F0502020204030204" pitchFamily="34" charset="0"/>
+                <a:cs typeface="Times New Roman" panose="02020603050405020304" pitchFamily="18" charset="0"/>
+              </a:rPr>
+              <a:t> yang </a:t>
+            </a:r>
+            <a:r>
+              <a:rPr lang="en-US" sz="1800" dirty="0" err="1">
+                <a:effectLst/>
+                <a:latin typeface="Times New Roman" panose="02020603050405020304" pitchFamily="18" charset="0"/>
+                <a:ea typeface="Calibri" panose="020F0502020204030204" pitchFamily="34" charset="0"/>
+                <a:cs typeface="Times New Roman" panose="02020603050405020304" pitchFamily="18" charset="0"/>
+              </a:rPr>
+              <a:t>terdiri</a:t>
+            </a:r>
+            <a:r>
+              <a:rPr lang="en-US" sz="1800" dirty="0">
+                <a:effectLst/>
+                <a:latin typeface="Times New Roman" panose="02020603050405020304" pitchFamily="18" charset="0"/>
+                <a:ea typeface="Calibri" panose="020F0502020204030204" pitchFamily="34" charset="0"/>
+                <a:cs typeface="Times New Roman" panose="02020603050405020304" pitchFamily="18" charset="0"/>
+              </a:rPr>
+              <a:t> </a:t>
+            </a:r>
+            <a:r>
+              <a:rPr lang="en-US" sz="1800" dirty="0" err="1">
+                <a:effectLst/>
+                <a:latin typeface="Times New Roman" panose="02020603050405020304" pitchFamily="18" charset="0"/>
+                <a:ea typeface="Calibri" panose="020F0502020204030204" pitchFamily="34" charset="0"/>
+                <a:cs typeface="Times New Roman" panose="02020603050405020304" pitchFamily="18" charset="0"/>
+              </a:rPr>
+              <a:t>atas</a:t>
+            </a:r>
+            <a:r>
+              <a:rPr lang="en-US" sz="1800" dirty="0">
+                <a:effectLst/>
+                <a:latin typeface="Times New Roman" panose="02020603050405020304" pitchFamily="18" charset="0"/>
+                <a:ea typeface="Calibri" panose="020F0502020204030204" pitchFamily="34" charset="0"/>
+                <a:cs typeface="Times New Roman" panose="02020603050405020304" pitchFamily="18" charset="0"/>
+              </a:rPr>
+              <a:t> tulisan, </a:t>
+            </a:r>
+            <a:r>
+              <a:rPr lang="en-US" sz="1800" dirty="0" err="1">
+                <a:effectLst/>
+                <a:latin typeface="Times New Roman" panose="02020603050405020304" pitchFamily="18" charset="0"/>
+                <a:ea typeface="Calibri" panose="020F0502020204030204" pitchFamily="34" charset="0"/>
+                <a:cs typeface="Times New Roman" panose="02020603050405020304" pitchFamily="18" charset="0"/>
+              </a:rPr>
+              <a:t>gambar</a:t>
+            </a:r>
+            <a:r>
+              <a:rPr lang="en-US" sz="1800" dirty="0">
+                <a:effectLst/>
+                <a:latin typeface="Times New Roman" panose="02020603050405020304" pitchFamily="18" charset="0"/>
+                <a:ea typeface="Calibri" panose="020F0502020204030204" pitchFamily="34" charset="0"/>
+                <a:cs typeface="Times New Roman" panose="02020603050405020304" pitchFamily="18" charset="0"/>
+              </a:rPr>
+              <a:t> </a:t>
+            </a:r>
+            <a:r>
+              <a:rPr lang="en-US" sz="1800" dirty="0" err="1">
+                <a:effectLst/>
+                <a:latin typeface="Times New Roman" panose="02020603050405020304" pitchFamily="18" charset="0"/>
+                <a:ea typeface="Calibri" panose="020F0502020204030204" pitchFamily="34" charset="0"/>
+                <a:cs typeface="Times New Roman" panose="02020603050405020304" pitchFamily="18" charset="0"/>
+              </a:rPr>
+              <a:t>ataupun</a:t>
+            </a:r>
+            <a:r>
+              <a:rPr lang="en-US" sz="1800" dirty="0">
+                <a:effectLst/>
+                <a:latin typeface="Times New Roman" panose="02020603050405020304" pitchFamily="18" charset="0"/>
+                <a:ea typeface="Calibri" panose="020F0502020204030204" pitchFamily="34" charset="0"/>
+                <a:cs typeface="Times New Roman" panose="02020603050405020304" pitchFamily="18" charset="0"/>
+              </a:rPr>
+              <a:t> </a:t>
+            </a:r>
+            <a:r>
+              <a:rPr lang="en-US" sz="1800" dirty="0" err="1">
+                <a:effectLst/>
+                <a:latin typeface="Times New Roman" panose="02020603050405020304" pitchFamily="18" charset="0"/>
+                <a:ea typeface="Calibri" panose="020F0502020204030204" pitchFamily="34" charset="0"/>
+                <a:cs typeface="Times New Roman" panose="02020603050405020304" pitchFamily="18" charset="0"/>
+              </a:rPr>
+              <a:t>kombinasi</a:t>
+            </a:r>
+            <a:r>
+              <a:rPr lang="en-US" sz="1800" dirty="0">
+                <a:effectLst/>
+                <a:latin typeface="Times New Roman" panose="02020603050405020304" pitchFamily="18" charset="0"/>
+                <a:ea typeface="Calibri" panose="020F0502020204030204" pitchFamily="34" charset="0"/>
+                <a:cs typeface="Times New Roman" panose="02020603050405020304" pitchFamily="18" charset="0"/>
+              </a:rPr>
+              <a:t> </a:t>
+            </a:r>
+            <a:r>
+              <a:rPr lang="en-US" sz="1800" dirty="0" err="1">
+                <a:effectLst/>
+                <a:latin typeface="Times New Roman" panose="02020603050405020304" pitchFamily="18" charset="0"/>
+                <a:ea typeface="Calibri" panose="020F0502020204030204" pitchFamily="34" charset="0"/>
+                <a:cs typeface="Times New Roman" panose="02020603050405020304" pitchFamily="18" charset="0"/>
+              </a:rPr>
+              <a:t>antar</a:t>
+            </a:r>
+            <a:r>
+              <a:rPr lang="en-US" sz="1800" dirty="0">
+                <a:effectLst/>
+                <a:latin typeface="Times New Roman" panose="02020603050405020304" pitchFamily="18" charset="0"/>
+                <a:ea typeface="Calibri" panose="020F0502020204030204" pitchFamily="34" charset="0"/>
+                <a:cs typeface="Times New Roman" panose="02020603050405020304" pitchFamily="18" charset="0"/>
+              </a:rPr>
+              <a:t> </a:t>
+            </a:r>
+            <a:r>
+              <a:rPr lang="en-US" sz="1800" dirty="0" err="1">
+                <a:effectLst/>
+                <a:latin typeface="Times New Roman" panose="02020603050405020304" pitchFamily="18" charset="0"/>
+                <a:ea typeface="Calibri" panose="020F0502020204030204" pitchFamily="34" charset="0"/>
+                <a:cs typeface="Times New Roman" panose="02020603050405020304" pitchFamily="18" charset="0"/>
+              </a:rPr>
+              <a:t>keduanya</a:t>
+            </a:r>
+            <a:r>
+              <a:rPr lang="en-US" sz="1800" dirty="0">
+                <a:effectLst/>
+                <a:latin typeface="Times New Roman" panose="02020603050405020304" pitchFamily="18" charset="0"/>
+                <a:ea typeface="Calibri" panose="020F0502020204030204" pitchFamily="34" charset="0"/>
+                <a:cs typeface="Times New Roman" panose="02020603050405020304" pitchFamily="18" charset="0"/>
+              </a:rPr>
+              <a:t> dengan </a:t>
+            </a:r>
+            <a:r>
+              <a:rPr lang="en-US" sz="1800" dirty="0" err="1">
+                <a:effectLst/>
+                <a:latin typeface="Times New Roman" panose="02020603050405020304" pitchFamily="18" charset="0"/>
+                <a:ea typeface="Calibri" panose="020F0502020204030204" pitchFamily="34" charset="0"/>
+                <a:cs typeface="Times New Roman" panose="02020603050405020304" pitchFamily="18" charset="0"/>
+              </a:rPr>
+              <a:t>tujuan</a:t>
+            </a:r>
+            <a:r>
+              <a:rPr lang="en-US" sz="1800" dirty="0">
+                <a:effectLst/>
+                <a:latin typeface="Times New Roman" panose="02020603050405020304" pitchFamily="18" charset="0"/>
+                <a:ea typeface="Calibri" panose="020F0502020204030204" pitchFamily="34" charset="0"/>
+                <a:cs typeface="Times New Roman" panose="02020603050405020304" pitchFamily="18" charset="0"/>
+              </a:rPr>
+              <a:t> </a:t>
+            </a:r>
+            <a:r>
+              <a:rPr lang="en-US" sz="1800" dirty="0" err="1">
+                <a:effectLst/>
+                <a:latin typeface="Times New Roman" panose="02020603050405020304" pitchFamily="18" charset="0"/>
+                <a:ea typeface="Calibri" panose="020F0502020204030204" pitchFamily="34" charset="0"/>
+                <a:cs typeface="Times New Roman" panose="02020603050405020304" pitchFamily="18" charset="0"/>
+              </a:rPr>
+              <a:t>memberikan</a:t>
+            </a:r>
+            <a:r>
+              <a:rPr lang="en-US" sz="1800" dirty="0">
+                <a:effectLst/>
+                <a:latin typeface="Times New Roman" panose="02020603050405020304" pitchFamily="18" charset="0"/>
+                <a:ea typeface="Calibri" panose="020F0502020204030204" pitchFamily="34" charset="0"/>
+                <a:cs typeface="Times New Roman" panose="02020603050405020304" pitchFamily="18" charset="0"/>
+              </a:rPr>
+              <a:t> </a:t>
+            </a:r>
+            <a:r>
+              <a:rPr lang="en-US" sz="1800" dirty="0" err="1">
+                <a:effectLst/>
+                <a:latin typeface="Times New Roman" panose="02020603050405020304" pitchFamily="18" charset="0"/>
+                <a:ea typeface="Calibri" panose="020F0502020204030204" pitchFamily="34" charset="0"/>
+                <a:cs typeface="Times New Roman" panose="02020603050405020304" pitchFamily="18" charset="0"/>
+              </a:rPr>
+              <a:t>informasi</a:t>
+            </a:r>
+            <a:r>
+              <a:rPr lang="en-US" sz="1800" dirty="0">
+                <a:effectLst/>
+                <a:latin typeface="Times New Roman" panose="02020603050405020304" pitchFamily="18" charset="0"/>
+                <a:ea typeface="Calibri" panose="020F0502020204030204" pitchFamily="34" charset="0"/>
+                <a:cs typeface="Times New Roman" panose="02020603050405020304" pitchFamily="18" charset="0"/>
+              </a:rPr>
+              <a:t> </a:t>
+            </a:r>
+            <a:r>
+              <a:rPr lang="en-US" sz="1800" dirty="0" err="1">
+                <a:effectLst/>
+                <a:latin typeface="Times New Roman" panose="02020603050405020304" pitchFamily="18" charset="0"/>
+                <a:ea typeface="Calibri" panose="020F0502020204030204" pitchFamily="34" charset="0"/>
+                <a:cs typeface="Times New Roman" panose="02020603050405020304" pitchFamily="18" charset="0"/>
+              </a:rPr>
+              <a:t>kepada</a:t>
+            </a:r>
+            <a:r>
+              <a:rPr lang="en-US" sz="1800" dirty="0">
+                <a:effectLst/>
+                <a:latin typeface="Times New Roman" panose="02020603050405020304" pitchFamily="18" charset="0"/>
+                <a:ea typeface="Calibri" panose="020F0502020204030204" pitchFamily="34" charset="0"/>
+                <a:cs typeface="Times New Roman" panose="02020603050405020304" pitchFamily="18" charset="0"/>
+              </a:rPr>
+              <a:t> </a:t>
+            </a:r>
+            <a:r>
+              <a:rPr lang="en-US" sz="1800" dirty="0" err="1">
+                <a:effectLst/>
+                <a:latin typeface="Times New Roman" panose="02020603050405020304" pitchFamily="18" charset="0"/>
+                <a:ea typeface="Calibri" panose="020F0502020204030204" pitchFamily="34" charset="0"/>
+                <a:cs typeface="Times New Roman" panose="02020603050405020304" pitchFamily="18" charset="0"/>
+              </a:rPr>
+              <a:t>khalayak</a:t>
+            </a:r>
+            <a:r>
+              <a:rPr lang="en-US" sz="1800" dirty="0">
+                <a:effectLst/>
+                <a:latin typeface="Times New Roman" panose="02020603050405020304" pitchFamily="18" charset="0"/>
+                <a:ea typeface="Calibri" panose="020F0502020204030204" pitchFamily="34" charset="0"/>
+                <a:cs typeface="Times New Roman" panose="02020603050405020304" pitchFamily="18" charset="0"/>
+              </a:rPr>
+              <a:t> </a:t>
+            </a:r>
+            <a:r>
+              <a:rPr lang="en-US" sz="1800" dirty="0" err="1">
+                <a:effectLst/>
+                <a:latin typeface="Times New Roman" panose="02020603050405020304" pitchFamily="18" charset="0"/>
+                <a:ea typeface="Calibri" panose="020F0502020204030204" pitchFamily="34" charset="0"/>
+                <a:cs typeface="Times New Roman" panose="02020603050405020304" pitchFamily="18" charset="0"/>
+              </a:rPr>
+              <a:t>ramai</a:t>
+            </a:r>
+            <a:r>
+              <a:rPr lang="en-US" sz="1800" dirty="0">
+                <a:effectLst/>
+                <a:latin typeface="Times New Roman" panose="02020603050405020304" pitchFamily="18" charset="0"/>
+                <a:ea typeface="Calibri" panose="020F0502020204030204" pitchFamily="34" charset="0"/>
+                <a:cs typeface="Times New Roman" panose="02020603050405020304" pitchFamily="18" charset="0"/>
+              </a:rPr>
+              <a:t>. </a:t>
+            </a:r>
+            <a:endParaRPr lang="en-ID" sz="1600" dirty="0">
+              <a:effectLst/>
+              <a:latin typeface="Calibri" panose="020F0502020204030204" pitchFamily="34" charset="0"/>
+              <a:ea typeface="Calibri" panose="020F0502020204030204" pitchFamily="34" charset="0"/>
+              <a:cs typeface="Times New Roman" panose="02020603050405020304" pitchFamily="18" charset="0"/>
+            </a:endParaRPr>
+          </a:p>
+        </p:txBody>
+      </p:sp>
+      <p:sp>
+        <p:nvSpPr>
+          <p:cNvPr id="4" name="Text Placeholder 20">
+            <a:extLst>
+              <a:ext uri="{FF2B5EF4-FFF2-40B4-BE49-F238E27FC236}">
+                <a16:creationId xmlns:a16="http://schemas.microsoft.com/office/drawing/2014/main" id="{E8B05F04-2F0B-F509-78AA-11D857B807B1}"/>
+              </a:ext>
+            </a:extLst>
+          </p:cNvPr>
+          <p:cNvSpPr txBox="1">
+            <a:spLocks/>
+          </p:cNvSpPr>
+          <p:nvPr/>
+        </p:nvSpPr>
+        <p:spPr>
+          <a:xfrm>
+            <a:off x="5707781" y="1441125"/>
+            <a:ext cx="5378919" cy="5447645"/>
+          </a:xfrm>
+          <a:prstGeom prst="rect">
+            <a:avLst/>
+          </a:prstGeom>
+        </p:spPr>
+        <p:txBody>
+          <a:bodyPr vert="horz" wrap="square" lIns="91440" tIns="45720" rIns="91440" bIns="45720" rtlCol="0">
+            <a:spAutoFit/>
+          </a:bodyPr>
+          <a:lstStyle>
+            <a:lvl1pPr marL="0" indent="0" algn="l" defTabSz="914400" rtl="0" eaLnBrk="1" latinLnBrk="0" hangingPunct="1">
+              <a:lnSpc>
+                <a:spcPct val="90000"/>
+              </a:lnSpc>
+              <a:spcBef>
+                <a:spcPts val="1000"/>
+              </a:spcBef>
+              <a:buFont typeface="Arial" panose="020B0604020202020204" pitchFamily="34" charset="0"/>
+              <a:buNone/>
+              <a:defRPr sz="2200" b="1" kern="1200">
+                <a:gradFill>
+                  <a:gsLst>
+                    <a:gs pos="15000">
+                      <a:schemeClr val="bg1"/>
+                    </a:gs>
+                    <a:gs pos="47000">
+                      <a:schemeClr val="bg1"/>
+                    </a:gs>
+                  </a:gsLst>
+                  <a:lin ang="5400000" scaled="1"/>
+                </a:gradFill>
+                <a:latin typeface="+mn-lt"/>
+                <a:ea typeface="+mn-ea"/>
+                <a:cs typeface="+mn-cs"/>
+              </a:defRPr>
+            </a:lvl1pPr>
+            <a:lvl2pPr marL="0" indent="0" algn="l" defTabSz="914400" rtl="0" eaLnBrk="1" latinLnBrk="0" hangingPunct="1">
+              <a:lnSpc>
+                <a:spcPct val="90000"/>
+              </a:lnSpc>
+              <a:spcBef>
+                <a:spcPts val="500"/>
+              </a:spcBef>
+              <a:buFont typeface="Arial" panose="020B0604020202020204" pitchFamily="34" charset="0"/>
+              <a:buNone/>
+              <a:defRPr sz="2000" kern="1200">
+                <a:gradFill>
+                  <a:gsLst>
+                    <a:gs pos="15000">
+                      <a:schemeClr val="bg1"/>
+                    </a:gs>
+                    <a:gs pos="47000">
+                      <a:schemeClr val="bg1"/>
+                    </a:gs>
+                  </a:gsLst>
+                  <a:lin ang="5400000" scaled="1"/>
+                </a:gradFill>
+                <a:latin typeface="+mn-lt"/>
+                <a:ea typeface="+mn-ea"/>
+                <a:cs typeface="+mn-cs"/>
+              </a:defRPr>
+            </a:lvl2pPr>
+            <a:lvl3pPr marL="0" indent="0" algn="l" defTabSz="914400" rtl="0" eaLnBrk="1" latinLnBrk="0" hangingPunct="1">
+              <a:lnSpc>
+                <a:spcPct val="90000"/>
+              </a:lnSpc>
+              <a:spcBef>
+                <a:spcPts val="1200"/>
+              </a:spcBef>
+              <a:spcAft>
+                <a:spcPts val="1200"/>
+              </a:spcAft>
+              <a:buFont typeface="Arial" panose="020B0604020202020204" pitchFamily="34" charset="0"/>
+              <a:buNone/>
+              <a:defRPr sz="1800" b="1" kern="1200">
+                <a:gradFill>
+                  <a:gsLst>
+                    <a:gs pos="15000">
+                      <a:schemeClr val="bg1"/>
+                    </a:gs>
+                    <a:gs pos="47000">
+                      <a:schemeClr val="bg1"/>
+                    </a:gs>
+                  </a:gsLst>
+                  <a:lin ang="5400000" scaled="1"/>
+                </a:gradFill>
+                <a:latin typeface="+mn-lt"/>
+                <a:ea typeface="+mn-ea"/>
+                <a:cs typeface="+mn-cs"/>
+              </a:defRPr>
+            </a:lvl3pPr>
+            <a:lvl4pPr marL="0" indent="0" algn="l" defTabSz="914400" rtl="0" eaLnBrk="1" latinLnBrk="0" hangingPunct="1">
+              <a:lnSpc>
+                <a:spcPct val="90000"/>
+              </a:lnSpc>
+              <a:spcBef>
+                <a:spcPts val="0"/>
+              </a:spcBef>
+              <a:spcAft>
+                <a:spcPts val="600"/>
+              </a:spcAft>
+              <a:buFont typeface="Arial" panose="020B0604020202020204" pitchFamily="34" charset="0"/>
+              <a:buNone/>
+              <a:defRPr sz="1600" kern="1200">
+                <a:gradFill>
+                  <a:gsLst>
+                    <a:gs pos="15000">
+                      <a:schemeClr val="bg1"/>
+                    </a:gs>
+                    <a:gs pos="47000">
+                      <a:schemeClr val="bg1"/>
+                    </a:gs>
+                  </a:gsLst>
+                  <a:lin ang="5400000" scaled="1"/>
+                </a:gradFill>
+                <a:latin typeface="+mn-lt"/>
+                <a:ea typeface="+mn-ea"/>
+                <a:cs typeface="+mn-cs"/>
+              </a:defRPr>
+            </a:lvl4pPr>
+            <a:lvl5pPr marL="0" indent="0" algn="l" defTabSz="914400" rtl="0" eaLnBrk="1" latinLnBrk="0" hangingPunct="1">
+              <a:lnSpc>
+                <a:spcPct val="90000"/>
+              </a:lnSpc>
+              <a:spcBef>
+                <a:spcPts val="0"/>
+              </a:spcBef>
+              <a:spcAft>
+                <a:spcPts val="1200"/>
+              </a:spcAft>
+              <a:buFont typeface="Arial" panose="020B0604020202020204" pitchFamily="34" charset="0"/>
+              <a:buNone/>
+              <a:defRPr sz="1600" kern="1200">
+                <a:gradFill>
+                  <a:gsLst>
+                    <a:gs pos="15000">
+                      <a:schemeClr val="bg1"/>
+                    </a:gs>
+                    <a:gs pos="47000">
+                      <a:schemeClr val="bg1"/>
+                    </a:gs>
+                  </a:gsLst>
+                  <a:lin ang="5400000" scaled="1"/>
+                </a:gradFill>
+                <a:latin typeface="+mn-lt"/>
+                <a:ea typeface="+mn-ea"/>
+                <a:cs typeface="+mn-cs"/>
+              </a:defRPr>
+            </a:lvl5pPr>
+            <a:lvl6pPr marL="2514600" indent="-228600" algn="l" defTabSz="914400" rtl="0" eaLnBrk="1" latinLnBrk="0" hangingPunct="1">
+              <a:lnSpc>
+                <a:spcPct val="90000"/>
+              </a:lnSpc>
+              <a:spcBef>
+                <a:spcPts val="500"/>
+              </a:spcBef>
+              <a:buFont typeface="Arial" panose="020B0604020202020204" pitchFamily="34" charset="0"/>
+              <a:buChar char="•"/>
+              <a:defRPr sz="1800" kern="1200">
+                <a:solidFill>
+                  <a:schemeClr val="tx1"/>
+                </a:solidFill>
+                <a:latin typeface="+mn-lt"/>
+                <a:ea typeface="+mn-ea"/>
+                <a:cs typeface="+mn-cs"/>
+              </a:defRPr>
+            </a:lvl6pPr>
+            <a:lvl7pPr marL="2971800" indent="-228600" algn="l" defTabSz="914400" rtl="0" eaLnBrk="1" latinLnBrk="0" hangingPunct="1">
+              <a:lnSpc>
+                <a:spcPct val="90000"/>
+              </a:lnSpc>
+              <a:spcBef>
+                <a:spcPts val="500"/>
+              </a:spcBef>
+              <a:buFont typeface="Arial" panose="020B0604020202020204" pitchFamily="34" charset="0"/>
+              <a:buChar char="•"/>
+              <a:defRPr sz="1800" kern="1200">
+                <a:solidFill>
+                  <a:schemeClr val="tx1"/>
+                </a:solidFill>
+                <a:latin typeface="+mn-lt"/>
+                <a:ea typeface="+mn-ea"/>
+                <a:cs typeface="+mn-cs"/>
+              </a:defRPr>
+            </a:lvl7pPr>
+            <a:lvl8pPr marL="3429000" indent="-228600" algn="l" defTabSz="914400" rtl="0" eaLnBrk="1" latinLnBrk="0" hangingPunct="1">
+              <a:lnSpc>
+                <a:spcPct val="90000"/>
+              </a:lnSpc>
+              <a:spcBef>
+                <a:spcPts val="500"/>
+              </a:spcBef>
+              <a:buFont typeface="Arial" panose="020B0604020202020204" pitchFamily="34" charset="0"/>
+              <a:buChar char="•"/>
+              <a:defRPr sz="1800" kern="1200">
+                <a:solidFill>
+                  <a:schemeClr val="tx1"/>
+                </a:solidFill>
+                <a:latin typeface="+mn-lt"/>
+                <a:ea typeface="+mn-ea"/>
+                <a:cs typeface="+mn-cs"/>
+              </a:defRPr>
+            </a:lvl8pPr>
+            <a:lvl9pPr marL="3886200" indent="-228600" algn="l" defTabSz="914400" rtl="0" eaLnBrk="1" latinLnBrk="0" hangingPunct="1">
+              <a:lnSpc>
+                <a:spcPct val="90000"/>
+              </a:lnSpc>
+              <a:spcBef>
+                <a:spcPts val="500"/>
+              </a:spcBef>
+              <a:buFont typeface="Arial" panose="020B0604020202020204" pitchFamily="34" charset="0"/>
+              <a:buChar char="•"/>
+              <a:defRPr sz="1800" kern="1200">
+                <a:solidFill>
+                  <a:schemeClr val="tx1"/>
+                </a:solidFill>
+                <a:latin typeface="+mn-lt"/>
+                <a:ea typeface="+mn-ea"/>
+                <a:cs typeface="+mn-cs"/>
+              </a:defRPr>
+            </a:lvl9pPr>
+          </a:lstStyle>
+          <a:p>
+            <a:pPr>
+              <a:lnSpc>
+                <a:spcPct val="100000"/>
+              </a:lnSpc>
+              <a:spcBef>
+                <a:spcPts val="0"/>
+              </a:spcBef>
+            </a:pPr>
+            <a:r>
+              <a:rPr lang="en-US" sz="2000" dirty="0">
+                <a:solidFill>
+                  <a:srgbClr val="002060"/>
+                </a:solidFill>
+              </a:rPr>
+              <a:t>Format Poster</a:t>
+            </a:r>
+          </a:p>
+          <a:p>
+            <a:pPr>
+              <a:lnSpc>
+                <a:spcPct val="100000"/>
+              </a:lnSpc>
+              <a:spcBef>
+                <a:spcPts val="0"/>
+              </a:spcBef>
+            </a:pPr>
+            <a:r>
+              <a:rPr lang="en-US" sz="2000" dirty="0">
+                <a:solidFill>
+                  <a:srgbClr val="002060"/>
+                </a:solidFill>
+              </a:rPr>
+              <a:t>Logo Untag</a:t>
+            </a:r>
+          </a:p>
+          <a:p>
+            <a:pPr>
+              <a:lnSpc>
+                <a:spcPct val="100000"/>
+              </a:lnSpc>
+              <a:spcBef>
+                <a:spcPts val="0"/>
+              </a:spcBef>
+            </a:pPr>
+            <a:r>
+              <a:rPr lang="en-US" sz="2800" dirty="0" err="1">
+                <a:solidFill>
+                  <a:srgbClr val="002060"/>
+                </a:solidFill>
+              </a:rPr>
+              <a:t>Judul</a:t>
+            </a:r>
+            <a:endParaRPr lang="en-US" sz="2800" dirty="0">
+              <a:solidFill>
+                <a:srgbClr val="002060"/>
+              </a:solidFill>
+            </a:endParaRPr>
+          </a:p>
+          <a:p>
+            <a:pPr>
+              <a:lnSpc>
+                <a:spcPct val="100000"/>
+              </a:lnSpc>
+              <a:spcBef>
+                <a:spcPts val="0"/>
+              </a:spcBef>
+            </a:pPr>
+            <a:r>
+              <a:rPr lang="en-US" sz="2800" dirty="0">
+                <a:solidFill>
+                  <a:srgbClr val="002060"/>
+                </a:solidFill>
+              </a:rPr>
+              <a:t>Nama </a:t>
+            </a:r>
+            <a:r>
+              <a:rPr lang="en-US" sz="2800" dirty="0" err="1">
+                <a:solidFill>
+                  <a:srgbClr val="002060"/>
+                </a:solidFill>
+              </a:rPr>
+              <a:t>pembuat</a:t>
+            </a:r>
+            <a:endParaRPr lang="en-US" sz="2800" dirty="0">
+              <a:solidFill>
+                <a:srgbClr val="002060"/>
+              </a:solidFill>
+            </a:endParaRPr>
+          </a:p>
+          <a:p>
+            <a:pPr>
+              <a:lnSpc>
+                <a:spcPct val="100000"/>
+              </a:lnSpc>
+              <a:spcBef>
+                <a:spcPts val="0"/>
+              </a:spcBef>
+            </a:pPr>
+            <a:r>
+              <a:rPr lang="en-US" sz="2800" dirty="0">
+                <a:solidFill>
+                  <a:srgbClr val="002060"/>
+                </a:solidFill>
+              </a:rPr>
+              <a:t>Lembaga </a:t>
+            </a:r>
+            <a:r>
+              <a:rPr lang="en-US" sz="2800" dirty="0" err="1">
+                <a:solidFill>
+                  <a:srgbClr val="002060"/>
+                </a:solidFill>
+              </a:rPr>
+              <a:t>Afiliasi</a:t>
+            </a:r>
+            <a:endParaRPr lang="en-US" sz="2800" dirty="0">
+              <a:solidFill>
+                <a:srgbClr val="002060"/>
+              </a:solidFill>
+            </a:endParaRPr>
+          </a:p>
+          <a:p>
+            <a:pPr>
+              <a:lnSpc>
+                <a:spcPct val="100000"/>
+              </a:lnSpc>
+              <a:spcBef>
+                <a:spcPts val="0"/>
+              </a:spcBef>
+            </a:pPr>
+            <a:r>
+              <a:rPr lang="en-US" sz="2800" dirty="0">
+                <a:solidFill>
+                  <a:srgbClr val="002060"/>
+                </a:solidFill>
+              </a:rPr>
+              <a:t>Email</a:t>
+            </a:r>
+          </a:p>
+          <a:p>
+            <a:pPr>
+              <a:lnSpc>
+                <a:spcPct val="100000"/>
+              </a:lnSpc>
+              <a:spcBef>
+                <a:spcPts val="0"/>
+              </a:spcBef>
+            </a:pPr>
+            <a:r>
+              <a:rPr lang="en-US" sz="2800" dirty="0" err="1">
+                <a:solidFill>
+                  <a:srgbClr val="002060"/>
+                </a:solidFill>
+              </a:rPr>
+              <a:t>Pendahuluan</a:t>
+            </a:r>
+            <a:endParaRPr lang="en-US" sz="2800" dirty="0">
+              <a:solidFill>
+                <a:srgbClr val="002060"/>
+              </a:solidFill>
+            </a:endParaRPr>
+          </a:p>
+          <a:p>
+            <a:pPr>
+              <a:lnSpc>
+                <a:spcPct val="100000"/>
+              </a:lnSpc>
+              <a:spcBef>
+                <a:spcPts val="0"/>
+              </a:spcBef>
+            </a:pPr>
+            <a:r>
+              <a:rPr lang="en-US" sz="2800" dirty="0" err="1">
+                <a:solidFill>
+                  <a:srgbClr val="002060"/>
+                </a:solidFill>
+              </a:rPr>
+              <a:t>Permasalahan</a:t>
+            </a:r>
+            <a:endParaRPr lang="en-US" sz="2800" dirty="0">
+              <a:solidFill>
+                <a:srgbClr val="002060"/>
+              </a:solidFill>
+            </a:endParaRPr>
+          </a:p>
+          <a:p>
+            <a:pPr>
+              <a:lnSpc>
+                <a:spcPct val="100000"/>
+              </a:lnSpc>
+              <a:spcBef>
+                <a:spcPts val="0"/>
+              </a:spcBef>
+            </a:pPr>
+            <a:r>
+              <a:rPr lang="en-US" sz="2800" dirty="0">
+                <a:solidFill>
+                  <a:srgbClr val="002060"/>
+                </a:solidFill>
+              </a:rPr>
+              <a:t>Solusi</a:t>
+            </a:r>
+          </a:p>
+          <a:p>
+            <a:pPr>
+              <a:lnSpc>
+                <a:spcPct val="100000"/>
+              </a:lnSpc>
+              <a:spcBef>
+                <a:spcPts val="0"/>
+              </a:spcBef>
+            </a:pPr>
+            <a:r>
+              <a:rPr lang="en-US" sz="2800" dirty="0" err="1">
+                <a:solidFill>
+                  <a:srgbClr val="002060"/>
+                </a:solidFill>
+              </a:rPr>
+              <a:t>Metode</a:t>
+            </a:r>
+            <a:endParaRPr lang="en-US" sz="2800" dirty="0">
+              <a:solidFill>
+                <a:srgbClr val="002060"/>
+              </a:solidFill>
+            </a:endParaRPr>
+          </a:p>
+          <a:p>
+            <a:pPr>
+              <a:lnSpc>
+                <a:spcPct val="100000"/>
+              </a:lnSpc>
+              <a:spcBef>
+                <a:spcPts val="0"/>
+              </a:spcBef>
+            </a:pPr>
+            <a:r>
+              <a:rPr lang="en-US" sz="2800" dirty="0">
+                <a:solidFill>
+                  <a:srgbClr val="002060"/>
+                </a:solidFill>
+              </a:rPr>
+              <a:t>Hasil </a:t>
+            </a:r>
+            <a:r>
+              <a:rPr lang="en-US" sz="2800" dirty="0" err="1">
+                <a:solidFill>
+                  <a:srgbClr val="002060"/>
+                </a:solidFill>
+              </a:rPr>
+              <a:t>Pelaksanaan</a:t>
+            </a:r>
+            <a:endParaRPr lang="en-US" sz="2800" dirty="0">
+              <a:solidFill>
+                <a:srgbClr val="002060"/>
+              </a:solidFill>
+            </a:endParaRPr>
+          </a:p>
+          <a:p>
+            <a:pPr>
+              <a:lnSpc>
+                <a:spcPct val="100000"/>
+              </a:lnSpc>
+              <a:spcBef>
+                <a:spcPts val="0"/>
+              </a:spcBef>
+            </a:pPr>
+            <a:r>
+              <a:rPr lang="en-US" sz="2800" dirty="0">
+                <a:solidFill>
+                  <a:srgbClr val="002060"/>
+                </a:solidFill>
+              </a:rPr>
+              <a:t>Kesimpulan</a:t>
+            </a:r>
+          </a:p>
+          <a:p>
+            <a:pPr>
+              <a:lnSpc>
+                <a:spcPct val="100000"/>
+              </a:lnSpc>
+              <a:spcBef>
+                <a:spcPts val="0"/>
+              </a:spcBef>
+            </a:pPr>
+            <a:r>
+              <a:rPr lang="en-US" sz="2800" dirty="0">
+                <a:solidFill>
+                  <a:srgbClr val="002060"/>
+                </a:solidFill>
+              </a:rPr>
+              <a:t>Daftar Pustaka</a:t>
+            </a:r>
+          </a:p>
+        </p:txBody>
+      </p:sp>
+    </p:spTree>
+    <p:extLst>
+      <p:ext uri="{BB962C8B-B14F-4D97-AF65-F5344CB8AC3E}">
+        <p14:creationId xmlns:p14="http://schemas.microsoft.com/office/powerpoint/2010/main" val="3809968063"/>
+      </p:ext>
+    </p:extLst>
+  </p:cSld>
+  <p:clrMapOvr>
+    <a:masterClrMapping/>
+  </p:clrMapOvr>
+  <p:transition spd="slow">
+    <p:push/>
+  </p:transition>
+  <p:timing>
+    <p:tnLst>
+      <p:par>
+        <p:cTn id="1" dur="indefinite" restart="never" nodeType="tmRoot">
+          <p:childTnLst>
+            <p:seq concurrent="1" nextAc="seek">
+              <p:cTn id="2" dur="indefinite" nodeType="mainSeq">
+                <p:childTnLst>
+                  <p:par>
+                    <p:cTn id="3" fill="hold">
+                      <p:stCondLst>
+                        <p:cond delay="indefinite"/>
+                        <p:cond evt="onBegin" delay="0">
+                          <p:tn val="2"/>
+                        </p:cond>
+                      </p:stCondLst>
+                      <p:childTnLst>
+                        <p:par>
+                          <p:cTn id="4" fill="hold">
+                            <p:stCondLst>
+                              <p:cond delay="0"/>
+                            </p:stCondLst>
+                            <p:childTnLst>
+                              <p:par>
+                                <p:cTn id="5" presetID="2" presetClass="entr" presetSubtype="1" fill="hold" grpId="0" nodeType="withEffect">
+                                  <p:stCondLst>
+                                    <p:cond delay="0"/>
+                                  </p:stCondLst>
+                                  <p:childTnLst>
+                                    <p:set>
+                                      <p:cBhvr>
+                                        <p:cTn id="6" dur="1" fill="hold">
+                                          <p:stCondLst>
+                                            <p:cond delay="0"/>
+                                          </p:stCondLst>
+                                        </p:cTn>
+                                        <p:tgtEl>
+                                          <p:spTgt spid="32"/>
+                                        </p:tgtEl>
+                                        <p:attrNameLst>
+                                          <p:attrName>style.visibility</p:attrName>
+                                        </p:attrNameLst>
+                                      </p:cBhvr>
+                                      <p:to>
+                                        <p:strVal val="visible"/>
+                                      </p:to>
+                                    </p:set>
+                                    <p:anim calcmode="lin" valueType="num">
+                                      <p:cBhvr additive="base">
+                                        <p:cTn id="7" dur="500" fill="hold"/>
+                                        <p:tgtEl>
+                                          <p:spTgt spid="32"/>
+                                        </p:tgtEl>
+                                        <p:attrNameLst>
+                                          <p:attrName>ppt_x</p:attrName>
+                                        </p:attrNameLst>
+                                      </p:cBhvr>
+                                      <p:tavLst>
+                                        <p:tav tm="0">
+                                          <p:val>
+                                            <p:strVal val="#ppt_x"/>
+                                          </p:val>
+                                        </p:tav>
+                                        <p:tav tm="100000">
+                                          <p:val>
+                                            <p:strVal val="#ppt_x"/>
+                                          </p:val>
+                                        </p:tav>
+                                      </p:tavLst>
+                                    </p:anim>
+                                    <p:anim calcmode="lin" valueType="num">
+                                      <p:cBhvr additive="base">
+                                        <p:cTn id="8" dur="500" fill="hold"/>
+                                        <p:tgtEl>
+                                          <p:spTgt spid="32"/>
+                                        </p:tgtEl>
+                                        <p:attrNameLst>
+                                          <p:attrName>ppt_y</p:attrName>
+                                        </p:attrNameLst>
+                                      </p:cBhvr>
+                                      <p:tavLst>
+                                        <p:tav tm="0">
+                                          <p:val>
+                                            <p:strVal val="0-#ppt_h/2"/>
+                                          </p:val>
+                                        </p:tav>
+                                        <p:tav tm="100000">
+                                          <p:val>
+                                            <p:strVal val="#ppt_y"/>
+                                          </p:val>
+                                        </p:tav>
+                                      </p:tavLst>
+                                    </p:anim>
+                                  </p:childTnLst>
+                                </p:cTn>
+                              </p:par>
+                            </p:childTnLst>
+                          </p:cTn>
+                        </p:par>
+                        <p:par>
+                          <p:cTn id="9" fill="hold">
+                            <p:stCondLst>
+                              <p:cond delay="500"/>
+                            </p:stCondLst>
+                            <p:childTnLst>
+                              <p:par>
+                                <p:cTn id="10" presetID="10" presetClass="entr" presetSubtype="0" fill="hold" grpId="0" nodeType="afterEffect">
+                                  <p:stCondLst>
+                                    <p:cond delay="250"/>
+                                  </p:stCondLst>
+                                  <p:childTnLst>
+                                    <p:set>
+                                      <p:cBhvr>
+                                        <p:cTn id="11" dur="1" fill="hold">
+                                          <p:stCondLst>
+                                            <p:cond delay="0"/>
+                                          </p:stCondLst>
+                                        </p:cTn>
+                                        <p:tgtEl>
+                                          <p:spTgt spid="21"/>
+                                        </p:tgtEl>
+                                        <p:attrNameLst>
+                                          <p:attrName>style.visibility</p:attrName>
+                                        </p:attrNameLst>
+                                      </p:cBhvr>
+                                      <p:to>
+                                        <p:strVal val="visible"/>
+                                      </p:to>
+                                    </p:set>
+                                    <p:animEffect transition="in" filter="fade">
+                                      <p:cBhvr>
+                                        <p:cTn id="12" dur="750"/>
+                                        <p:tgtEl>
+                                          <p:spTgt spid="21"/>
+                                        </p:tgtEl>
+                                      </p:cBhvr>
+                                    </p:animEffect>
+                                  </p:childTnLst>
+                                </p:cTn>
+                              </p:par>
+                            </p:childTnLst>
+                          </p:cTn>
+                        </p:par>
+                        <p:par>
+                          <p:cTn id="13" fill="hold">
+                            <p:stCondLst>
+                              <p:cond delay="1500"/>
+                            </p:stCondLst>
+                            <p:childTnLst>
+                              <p:par>
+                                <p:cTn id="14" presetID="10" presetClass="entr" presetSubtype="0" fill="hold" grpId="0" nodeType="afterEffect">
+                                  <p:stCondLst>
+                                    <p:cond delay="250"/>
+                                  </p:stCondLst>
+                                  <p:childTnLst>
+                                    <p:set>
+                                      <p:cBhvr>
+                                        <p:cTn id="15" dur="1" fill="hold">
+                                          <p:stCondLst>
+                                            <p:cond delay="0"/>
+                                          </p:stCondLst>
+                                        </p:cTn>
+                                        <p:tgtEl>
+                                          <p:spTgt spid="4"/>
+                                        </p:tgtEl>
+                                        <p:attrNameLst>
+                                          <p:attrName>style.visibility</p:attrName>
+                                        </p:attrNameLst>
+                                      </p:cBhvr>
+                                      <p:to>
+                                        <p:strVal val="visible"/>
+                                      </p:to>
+                                    </p:set>
+                                    <p:animEffect transition="in" filter="fade">
+                                      <p:cBhvr>
+                                        <p:cTn id="16" dur="750"/>
+                                        <p:tgtEl>
+                                          <p:spTgt spid="4"/>
+                                        </p:tgtEl>
+                                      </p:cBhvr>
+                                    </p:animEffect>
+                                  </p:childTnLst>
+                                </p:cTn>
+                              </p:par>
+                            </p:childTnLst>
+                          </p:cTn>
+                        </p:par>
+                      </p:childTnLst>
+                    </p:cTn>
+                  </p:par>
+                </p:childTnLst>
+              </p:cTn>
+              <p:prevCondLst>
+                <p:cond evt="onPrev" delay="0">
+                  <p:tgtEl>
+                    <p:sldTgt/>
+                  </p:tgtEl>
+                </p:cond>
+              </p:prevCondLst>
+              <p:nextCondLst>
+                <p:cond evt="onNext" delay="0">
+                  <p:tgtEl>
+                    <p:sldTgt/>
+                  </p:tgtEl>
+                </p:cond>
+              </p:nextCondLst>
+            </p:seq>
+          </p:childTnLst>
+        </p:cTn>
+      </p:par>
+    </p:tnLst>
+    <p:bldLst>
+      <p:bldP spid="32" grpId="0"/>
+      <p:bldP spid="21" grpId="0"/>
+      <p:bldP spid="4" grpId="0"/>
+    </p:bldLst>
+  </p:timing>
+</p:sld>
+</file>
+
+<file path=ppt/slides/slide11.xml><?xml version="1.0" encoding="utf-8"?>
+<p:sld xmlns:a="http://schemas.openxmlformats.org/drawingml/2006/main" xmlns:r="http://schemas.openxmlformats.org/officeDocument/2006/relationships" xmlns:p="http://schemas.openxmlformats.org/presentationml/2006/main">
+  <p:cSld>
+    <p:spTree>
+      <p:nvGrpSpPr>
+        <p:cNvPr id="1" name=""/>
+        <p:cNvGrpSpPr/>
+        <p:nvPr/>
+      </p:nvGrpSpPr>
+      <p:grpSpPr>
+        <a:xfrm>
+          <a:off x="0" y="0"/>
+          <a:ext cx="0" cy="0"/>
+          <a:chOff x="0" y="0"/>
+          <a:chExt cx="0" cy="0"/>
+        </a:xfrm>
+      </p:grpSpPr>
+      <p:sp>
+        <p:nvSpPr>
           <p:cNvPr id="10" name="Content Placeholder 9"/>
           <p:cNvSpPr>
             <a:spLocks noGrp="1"/>
@@ -23780,9 +25407,50 @@
           <a:lstStyle/>
           <a:p>
             <a:r>
+              <a:rPr lang="en-US" dirty="0" err="1"/>
+              <a:t>Khusus</a:t>
+            </a:r>
+            <a:r>
               <a:rPr lang="en-US" dirty="0"/>
-              <a:t>Build your story first, then define which layouts and graphics will best help visualize each slide’s message</a:t>
-            </a:r>
+              <a:t> untuk mahasiswa </a:t>
+            </a:r>
+            <a:r>
+              <a:rPr lang="en-US" dirty="0" err="1"/>
+              <a:t>fak</a:t>
+            </a:r>
+            <a:r>
+              <a:rPr lang="en-US" dirty="0"/>
+              <a:t> </a:t>
+            </a:r>
+            <a:r>
+              <a:rPr lang="en-US" dirty="0" err="1"/>
+              <a:t>hukum</a:t>
+            </a:r>
+            <a:r>
+              <a:rPr lang="en-US" dirty="0"/>
+              <a:t>, </a:t>
+            </a:r>
+            <a:r>
+              <a:rPr lang="en-US" dirty="0" err="1"/>
+              <a:t>psikologi</a:t>
+            </a:r>
+            <a:r>
+              <a:rPr lang="en-US" dirty="0"/>
+              <a:t> dan </a:t>
+            </a:r>
+            <a:r>
+              <a:rPr lang="en-US" dirty="0" err="1"/>
+              <a:t>ilmu</a:t>
+            </a:r>
+            <a:r>
+              <a:rPr lang="en-US" dirty="0"/>
+              <a:t> </a:t>
+            </a:r>
+            <a:r>
+              <a:rPr lang="en-US" dirty="0" err="1"/>
+              <a:t>budaya</a:t>
+            </a:r>
+            <a:endParaRPr lang="en-US" dirty="0"/>
           </a:p>
         </p:txBody>
       </p:sp>
@@ -23946,7 +25614,7 @@
           <a:p>
             <a:fld id="{5AE1514C-5E56-4738-A1FF-4B1CFD2A3E36}" type="slidenum">
               <a:rPr lang="en-US" smtClean="0"/>
-              <a:t>10</a:t>
+              <a:t>11</a:t>
             </a:fld>
             <a:endParaRPr lang="en-US" dirty="0"/>
           </a:p>
@@ -24723,7 +26391,7 @@
 </p:sld>
 </file>
 
-<file path=ppt/slides/slide11.xml><?xml version="1.0" encoding="utf-8"?>
+<file path=ppt/slides/slide12.xml><?xml version="1.0" encoding="utf-8"?>
 <p:sld xmlns:a="http://schemas.openxmlformats.org/drawingml/2006/main" xmlns:r="http://schemas.openxmlformats.org/officeDocument/2006/relationships" xmlns:p="http://schemas.openxmlformats.org/presentationml/2006/main">
   <p:cSld>
     <p:spTree>
@@ -24794,7 +26462,7 @@
             <a:fld id="{5AE1514C-5E56-4738-A1FF-4B1CFD2A3E36}" type="slidenum">
               <a:rPr lang="en-US" smtClean="0"/>
               <a:pPr/>
-              <a:t>11</a:t>
+              <a:t>12</a:t>
             </a:fld>
             <a:endParaRPr lang="en-US" dirty="0"/>
           </a:p>
@@ -25205,7 +26873,7 @@
 </p:sld>
 </file>
 
-<file path=ppt/slides/slide12.xml><?xml version="1.0" encoding="utf-8"?>
+<file path=ppt/slides/slide13.xml><?xml version="1.0" encoding="utf-8"?>
 <p:sld xmlns:a="http://schemas.openxmlformats.org/drawingml/2006/main" xmlns:r="http://schemas.openxmlformats.org/officeDocument/2006/relationships" xmlns:p="http://schemas.openxmlformats.org/presentationml/2006/main">
   <p:cSld>
     <p:spTree>
@@ -25326,7 +26994,7 @@
 </p:sld>
 </file>
 
-<file path=ppt/slides/slide13.xml><?xml version="1.0" encoding="utf-8"?>
+<file path=ppt/slides/slide14.xml><?xml version="1.0" encoding="utf-8"?>
 <p:sld xmlns:a="http://schemas.openxmlformats.org/drawingml/2006/main" xmlns:r="http://schemas.openxmlformats.org/officeDocument/2006/relationships" xmlns:p="http://schemas.openxmlformats.org/presentationml/2006/main">
   <p:cSld>
     <p:spTree>
@@ -25379,7 +27047,7 @@
             <a:fld id="{5AE1514C-5E56-4738-A1FF-4B1CFD2A3E36}" type="slidenum">
               <a:rPr lang="en-US" smtClean="0"/>
               <a:pPr/>
-              <a:t>13</a:t>
+              <a:t>14</a:t>
             </a:fld>
             <a:endParaRPr lang="en-US" dirty="0"/>
           </a:p>
@@ -25495,7 +27163,7 @@
 </p:sld>
 </file>
 
-<file path=ppt/slides/slide14.xml><?xml version="1.0" encoding="utf-8"?>
+<file path=ppt/slides/slide15.xml><?xml version="1.0" encoding="utf-8"?>
 <p:sld xmlns:a="http://schemas.openxmlformats.org/drawingml/2006/main" xmlns:r="http://schemas.openxmlformats.org/officeDocument/2006/relationships" xmlns:p="http://schemas.openxmlformats.org/presentationml/2006/main">
   <p:cSld>
     <p:spTree>
@@ -25627,7 +27295,7 @@
             <a:fld id="{5AE1514C-5E56-4738-A1FF-4B1CFD2A3E36}" type="slidenum">
               <a:rPr lang="en-US" smtClean="0"/>
               <a:pPr/>
-              <a:t>14</a:t>
+              <a:t>15</a:t>
             </a:fld>
             <a:endParaRPr lang="en-US" dirty="0"/>
           </a:p>
@@ -25649,7 +27317,7 @@
 </p:sld>
 </file>
 
-<file path=ppt/slides/slide15.xml><?xml version="1.0" encoding="utf-8"?>
+<file path=ppt/slides/slide16.xml><?xml version="1.0" encoding="utf-8"?>
 <p:sld xmlns:a="http://schemas.openxmlformats.org/drawingml/2006/main" xmlns:r="http://schemas.openxmlformats.org/officeDocument/2006/relationships" xmlns:p="http://schemas.openxmlformats.org/presentationml/2006/main">
   <p:cSld>
     <p:spTree>
@@ -25701,7 +27369,7 @@
             <a:fld id="{5AE1514C-5E56-4738-A1FF-4B1CFD2A3E36}" type="slidenum">
               <a:rPr lang="en-US" smtClean="0"/>
               <a:pPr/>
-              <a:t>15</a:t>
+              <a:t>16</a:t>
             </a:fld>
             <a:endParaRPr lang="en-US" dirty="0"/>
           </a:p>
@@ -25981,7 +27649,7 @@
 </p:sld>
 </file>
 
-<file path=ppt/slides/slide16.xml><?xml version="1.0" encoding="utf-8"?>
+<file path=ppt/slides/slide17.xml><?xml version="1.0" encoding="utf-8"?>
 <p:sld xmlns:a="http://schemas.openxmlformats.org/drawingml/2006/main" xmlns:r="http://schemas.openxmlformats.org/officeDocument/2006/relationships" xmlns:p="http://schemas.openxmlformats.org/presentationml/2006/main">
   <p:cSld>
     <p:spTree>
@@ -26033,7 +27701,7 @@
             <a:fld id="{5AE1514C-5E56-4738-A1FF-4B1CFD2A3E36}" type="slidenum">
               <a:rPr lang="en-US" smtClean="0"/>
               <a:pPr/>
-              <a:t>16</a:t>
+              <a:t>17</a:t>
             </a:fld>
             <a:endParaRPr lang="en-US" dirty="0"/>
           </a:p>
@@ -26163,7 +27831,7 @@
 </p:sld>
 </file>
 
-<file path=ppt/slides/slide17.xml><?xml version="1.0" encoding="utf-8"?>
+<file path=ppt/slides/slide18.xml><?xml version="1.0" encoding="utf-8"?>
 <p:sld xmlns:a="http://schemas.openxmlformats.org/drawingml/2006/main" xmlns:r="http://schemas.openxmlformats.org/officeDocument/2006/relationships" xmlns:p="http://schemas.openxmlformats.org/presentationml/2006/main">
   <p:cSld>
     <p:spTree>
@@ -26215,7 +27883,7 @@
             <a:fld id="{5AE1514C-5E56-4738-A1FF-4B1CFD2A3E36}" type="slidenum">
               <a:rPr lang="en-US" smtClean="0"/>
               <a:pPr/>
-              <a:t>17</a:t>
+              <a:t>18</a:t>
             </a:fld>
             <a:endParaRPr lang="en-US" dirty="0"/>
           </a:p>
@@ -26398,7 +28066,7 @@
 </p:sld>
 </file>
 
-<file path=ppt/slides/slide18.xml><?xml version="1.0" encoding="utf-8"?>
+<file path=ppt/slides/slide19.xml><?xml version="1.0" encoding="utf-8"?>
 <p:sld xmlns:a="http://schemas.openxmlformats.org/drawingml/2006/main" xmlns:r="http://schemas.openxmlformats.org/officeDocument/2006/relationships" xmlns:p="http://schemas.openxmlformats.org/presentationml/2006/main">
   <p:cSld>
     <p:spTree>
@@ -26512,7 +28180,7 @@
             <a:fld id="{4997E989-D798-4C62-8E93-3D2D613C2488}" type="slidenum">
               <a:rPr lang="en-US" smtClean="0"/>
               <a:pPr/>
-              <a:t>18</a:t>
+              <a:t>19</a:t>
             </a:fld>
             <a:endParaRPr lang="en-US" dirty="0"/>
           </a:p>
@@ -26531,148 +28199,6 @@
   <p:transition spd="slow">
     <p:push dir="u"/>
   </p:transition>
-</p:sld>
-</file>
-
-<file path=ppt/slides/slide19.xml><?xml version="1.0" encoding="utf-8"?>
-<p:sld xmlns:a="http://schemas.openxmlformats.org/drawingml/2006/main" xmlns:r="http://schemas.openxmlformats.org/officeDocument/2006/relationships" xmlns:p="http://schemas.openxmlformats.org/presentationml/2006/main">
-  <p:cSld>
-    <p:spTree>
-      <p:nvGrpSpPr>
-        <p:cNvPr id="1" name=""/>
-        <p:cNvGrpSpPr/>
-        <p:nvPr/>
-      </p:nvGrpSpPr>
-      <p:grpSpPr>
-        <a:xfrm>
-          <a:off x="0" y="0"/>
-          <a:ext cx="0" cy="0"/>
-          <a:chOff x="0" y="0"/>
-          <a:chExt cx="0" cy="0"/>
-        </a:xfrm>
-      </p:grpSpPr>
-      <p:sp>
-        <p:nvSpPr>
-          <p:cNvPr id="2" name="Slide Number Placeholder 1"/>
-          <p:cNvSpPr>
-            <a:spLocks noGrp="1"/>
-          </p:cNvSpPr>
-          <p:nvPr>
-            <p:ph type="sldNum" sz="quarter" idx="4"/>
-          </p:nvPr>
-        </p:nvSpPr>
-        <p:spPr>
-          <a:xfrm>
-            <a:off x="11747687" y="6492875"/>
-            <a:ext cx="431425" cy="365125"/>
-          </a:xfrm>
-          <a:prstGeom prst="rect">
-            <a:avLst/>
-          </a:prstGeom>
-        </p:spPr>
-        <p:txBody>
-          <a:bodyPr/>
-          <a:lstStyle/>
-          <a:p>
-            <a:fld id="{5AE1514C-5E56-4738-A1FF-4B1CFD2A3E36}" type="slidenum">
-              <a:rPr lang="en-US" smtClean="0"/>
-              <a:pPr/>
-              <a:t>19</a:t>
-            </a:fld>
-            <a:endParaRPr lang="en-US" dirty="0"/>
-          </a:p>
-        </p:txBody>
-      </p:sp>
-      <p:sp>
-        <p:nvSpPr>
-          <p:cNvPr id="4" name="Text Placeholder 3"/>
-          <p:cNvSpPr>
-            <a:spLocks noGrp="1"/>
-          </p:cNvSpPr>
-          <p:nvPr>
-            <p:ph type="body" sz="quarter" idx="14"/>
-          </p:nvPr>
-        </p:nvSpPr>
-        <p:spPr/>
-        <p:txBody>
-          <a:bodyPr/>
-          <a:lstStyle/>
-          <a:p>
-            <a:r>
-              <a:rPr lang="en-US" dirty="0"/>
-              <a:t>—LEVAR BURTON</a:t>
-            </a:r>
-          </a:p>
-          <a:p>
-            <a:endParaRPr lang="en-US" dirty="0"/>
-          </a:p>
-        </p:txBody>
-      </p:sp>
-      <p:sp>
-        <p:nvSpPr>
-          <p:cNvPr id="7" name="Text Placeholder 6"/>
-          <p:cNvSpPr>
-            <a:spLocks noGrp="1"/>
-          </p:cNvSpPr>
-          <p:nvPr>
-            <p:ph type="body" sz="quarter" idx="13"/>
-          </p:nvPr>
-        </p:nvSpPr>
-        <p:spPr/>
-        <p:txBody>
-          <a:bodyPr/>
-          <a:lstStyle/>
-          <a:p>
-            <a:r>
-              <a:rPr lang="en-US" dirty="0"/>
-              <a:t>BECAUSE STORYTELLING, </a:t>
-            </a:r>
-            <a:br>
-              <a:rPr lang="en-US" dirty="0"/>
-            </a:br>
-            <a:r>
-              <a:rPr lang="en-US" dirty="0"/>
-              <a:t>AND VISUAL STORYTELLING, </a:t>
-            </a:r>
-            <a:br>
-              <a:rPr lang="en-US" dirty="0"/>
-            </a:br>
-            <a:r>
-              <a:rPr lang="en-US" dirty="0"/>
-              <a:t>WAS PUT IN THE HANDS OF EVERYBODY,</a:t>
-            </a:r>
-          </a:p>
-          <a:p>
-            <a:pPr lvl="1"/>
-            <a:r>
-              <a:rPr lang="en-US" dirty="0"/>
-              <a:t>WE HAVE ALL NOW BECOME STORYTELLERS.</a:t>
-            </a:r>
-          </a:p>
-        </p:txBody>
-      </p:sp>
-    </p:spTree>
-    <p:extLst>
-      <p:ext uri="{BB962C8B-B14F-4D97-AF65-F5344CB8AC3E}">
-        <p14:creationId xmlns:p14="http://schemas.microsoft.com/office/powerpoint/2010/main" val="627313075"/>
-      </p:ext>
-    </p:extLst>
-  </p:cSld>
-  <p:clrMapOvr>
-    <a:masterClrMapping/>
-  </p:clrMapOvr>
-  <mc:AlternateContent xmlns:mc="http://schemas.openxmlformats.org/markup-compatibility/2006" xmlns:p14="http://schemas.microsoft.com/office/powerpoint/2010/main">
-    <mc:Choice Requires="p14">
-      <p:transition spd="med" p14:dur="700">
-        <p:fade/>
-      </p:transition>
-    </mc:Choice>
-    <mc:Fallback xmlns="">
-      <p:transition spd="med">
-        <p:fade/>
-      </p:transition>
-    </mc:Fallback>
-  </mc:AlternateContent>
 </p:sld>
 </file>
 
@@ -27082,6 +28608,148 @@
 </file>
 
 <file path=ppt/slides/slide20.xml><?xml version="1.0" encoding="utf-8"?>
+<p:sld xmlns:a="http://schemas.openxmlformats.org/drawingml/2006/main" xmlns:r="http://schemas.openxmlformats.org/officeDocument/2006/relationships" xmlns:p="http://schemas.openxmlformats.org/presentationml/2006/main">
+  <p:cSld>
+    <p:spTree>
+      <p:nvGrpSpPr>
+        <p:cNvPr id="1" name=""/>
+        <p:cNvGrpSpPr/>
+        <p:nvPr/>
+      </p:nvGrpSpPr>
+      <p:grpSpPr>
+        <a:xfrm>
+          <a:off x="0" y="0"/>
+          <a:ext cx="0" cy="0"/>
+          <a:chOff x="0" y="0"/>
+          <a:chExt cx="0" cy="0"/>
+        </a:xfrm>
+      </p:grpSpPr>
+      <p:sp>
+        <p:nvSpPr>
+          <p:cNvPr id="2" name="Slide Number Placeholder 1"/>
+          <p:cNvSpPr>
+            <a:spLocks noGrp="1"/>
+          </p:cNvSpPr>
+          <p:nvPr>
+            <p:ph type="sldNum" sz="quarter" idx="4"/>
+          </p:nvPr>
+        </p:nvSpPr>
+        <p:spPr>
+          <a:xfrm>
+            <a:off x="11747687" y="6492875"/>
+            <a:ext cx="431425" cy="365125"/>
+          </a:xfrm>
+          <a:prstGeom prst="rect">
+            <a:avLst/>
+          </a:prstGeom>
+        </p:spPr>
+        <p:txBody>
+          <a:bodyPr/>
+          <a:lstStyle/>
+          <a:p>
+            <a:fld id="{5AE1514C-5E56-4738-A1FF-4B1CFD2A3E36}" type="slidenum">
+              <a:rPr lang="en-US" smtClean="0"/>
+              <a:pPr/>
+              <a:t>20</a:t>
+            </a:fld>
+            <a:endParaRPr lang="en-US" dirty="0"/>
+          </a:p>
+        </p:txBody>
+      </p:sp>
+      <p:sp>
+        <p:nvSpPr>
+          <p:cNvPr id="4" name="Text Placeholder 3"/>
+          <p:cNvSpPr>
+            <a:spLocks noGrp="1"/>
+          </p:cNvSpPr>
+          <p:nvPr>
+            <p:ph type="body" sz="quarter" idx="14"/>
+          </p:nvPr>
+        </p:nvSpPr>
+        <p:spPr/>
+        <p:txBody>
+          <a:bodyPr/>
+          <a:lstStyle/>
+          <a:p>
+            <a:r>
+              <a:rPr lang="en-US" dirty="0"/>
+              <a:t>—LEVAR BURTON</a:t>
+            </a:r>
+          </a:p>
+          <a:p>
+            <a:endParaRPr lang="en-US" dirty="0"/>
+          </a:p>
+        </p:txBody>
+      </p:sp>
+      <p:sp>
+        <p:nvSpPr>
+          <p:cNvPr id="7" name="Text Placeholder 6"/>
+          <p:cNvSpPr>
+            <a:spLocks noGrp="1"/>
+          </p:cNvSpPr>
+          <p:nvPr>
+            <p:ph type="body" sz="quarter" idx="13"/>
+          </p:nvPr>
+        </p:nvSpPr>
+        <p:spPr/>
+        <p:txBody>
+          <a:bodyPr/>
+          <a:lstStyle/>
+          <a:p>
+            <a:r>
+              <a:rPr lang="en-US" dirty="0"/>
+              <a:t>BECAUSE STORYTELLING, </a:t>
+            </a:r>
+            <a:br>
+              <a:rPr lang="en-US" dirty="0"/>
+            </a:br>
+            <a:r>
+              <a:rPr lang="en-US" dirty="0"/>
+              <a:t>AND VISUAL STORYTELLING, </a:t>
+            </a:r>
+            <a:br>
+              <a:rPr lang="en-US" dirty="0"/>
+            </a:br>
+            <a:r>
+              <a:rPr lang="en-US" dirty="0"/>
+              <a:t>WAS PUT IN THE HANDS OF EVERYBODY,</a:t>
+            </a:r>
+          </a:p>
+          <a:p>
+            <a:pPr lvl="1"/>
+            <a:r>
+              <a:rPr lang="en-US" dirty="0"/>
+              <a:t>WE HAVE ALL NOW BECOME STORYTELLERS.</a:t>
+            </a:r>
+          </a:p>
+        </p:txBody>
+      </p:sp>
+    </p:spTree>
+    <p:extLst>
+      <p:ext uri="{BB962C8B-B14F-4D97-AF65-F5344CB8AC3E}">
+        <p14:creationId xmlns:p14="http://schemas.microsoft.com/office/powerpoint/2010/main" val="627313075"/>
+      </p:ext>
+    </p:extLst>
+  </p:cSld>
+  <p:clrMapOvr>
+    <a:masterClrMapping/>
+  </p:clrMapOvr>
+  <mc:AlternateContent xmlns:mc="http://schemas.openxmlformats.org/markup-compatibility/2006" xmlns:p14="http://schemas.microsoft.com/office/powerpoint/2010/main">
+    <mc:Choice Requires="p14">
+      <p:transition spd="med" p14:dur="700">
+        <p:fade/>
+      </p:transition>
+    </mc:Choice>
+    <mc:Fallback xmlns="">
+      <p:transition spd="med">
+        <p:fade/>
+      </p:transition>
+    </mc:Fallback>
+  </mc:AlternateContent>
+</p:sld>
+</file>
+
+<file path=ppt/slides/slide21.xml><?xml version="1.0" encoding="utf-8"?>
 <p:sld xmlns:a="http://schemas.openxmlformats.org/drawingml/2006/main" xmlns:r="http://schemas.openxmlformats.org/officeDocument/2006/relationships" xmlns:p="http://schemas.openxmlformats.org/presentationml/2006/main">
   <p:cSld>
     <p:spTree>
@@ -37123,21 +38791,23 @@
         </p:nvSpPr>
         <p:spPr>
           <a:xfrm>
-            <a:off x="2405743" y="2035249"/>
-            <a:ext cx="9960428" cy="4401205"/>
+            <a:off x="959715" y="2205370"/>
+            <a:ext cx="10874321" cy="4401205"/>
           </a:xfrm>
         </p:spPr>
         <p:txBody>
           <a:bodyPr/>
           <a:lstStyle/>
           <a:p>
-            <a:pPr>
+            <a:pPr marL="342900" indent="-342900">
               <a:lnSpc>
                 <a:spcPct val="100000"/>
               </a:lnSpc>
               <a:spcBef>
                 <a:spcPts val="0"/>
               </a:spcBef>
+              <a:buFont typeface="+mj-lt"/>
+              <a:buAutoNum type="arabicPeriod"/>
             </a:pPr>
             <a:r>
               <a:rPr lang="en-US" sz="1400" dirty="0" err="1">
@@ -37237,13 +38907,15 @@
             </a:r>
           </a:p>
           <a:p>
-            <a:pPr>
+            <a:pPr marL="342900" indent="-342900">
               <a:lnSpc>
                 <a:spcPct val="100000"/>
               </a:lnSpc>
               <a:spcBef>
                 <a:spcPts val="0"/>
               </a:spcBef>
+              <a:buFont typeface="+mj-lt"/>
+              <a:buAutoNum type="arabicPeriod"/>
             </a:pPr>
             <a:r>
               <a:rPr lang="en-US" sz="1400" dirty="0">
@@ -37335,13 +39007,15 @@
             </a:r>
           </a:p>
           <a:p>
-            <a:pPr>
+            <a:pPr marL="342900" indent="-342900">
               <a:lnSpc>
                 <a:spcPct val="100000"/>
               </a:lnSpc>
               <a:spcBef>
                 <a:spcPts val="0"/>
               </a:spcBef>
+              <a:buFont typeface="+mj-lt"/>
+              <a:buAutoNum type="arabicPeriod"/>
             </a:pPr>
             <a:r>
               <a:rPr lang="en-US" sz="1400" dirty="0" err="1">
@@ -37457,13 +39131,15 @@
             </a:r>
           </a:p>
           <a:p>
-            <a:pPr>
+            <a:pPr marL="342900" indent="-342900">
               <a:lnSpc>
                 <a:spcPct val="100000"/>
               </a:lnSpc>
               <a:spcBef>
                 <a:spcPts val="0"/>
               </a:spcBef>
+              <a:buFont typeface="+mj-lt"/>
+              <a:buAutoNum type="arabicPeriod"/>
             </a:pPr>
             <a:r>
               <a:rPr lang="en-US" sz="1400" dirty="0" err="1">
@@ -37579,13 +39255,15 @@
             </a:r>
           </a:p>
           <a:p>
-            <a:pPr>
+            <a:pPr marL="342900" indent="-342900">
               <a:lnSpc>
                 <a:spcPct val="100000"/>
               </a:lnSpc>
               <a:spcBef>
                 <a:spcPts val="0"/>
               </a:spcBef>
+              <a:buFont typeface="+mj-lt"/>
+              <a:buAutoNum type="arabicPeriod"/>
             </a:pPr>
             <a:r>
               <a:rPr lang="en-US" sz="1400" dirty="0">
@@ -37773,13 +39451,15 @@
             </a:r>
           </a:p>
           <a:p>
-            <a:pPr>
+            <a:pPr marL="342900" indent="-342900">
               <a:lnSpc>
                 <a:spcPct val="100000"/>
               </a:lnSpc>
               <a:spcBef>
                 <a:spcPts val="0"/>
               </a:spcBef>
+              <a:buFont typeface="+mj-lt"/>
+              <a:buAutoNum type="arabicPeriod"/>
             </a:pPr>
             <a:r>
               <a:rPr lang="en-US" sz="1400" dirty="0" err="1">
@@ -37879,13 +39559,15 @@
             </a:r>
           </a:p>
           <a:p>
-            <a:pPr>
+            <a:pPr marL="342900" indent="-342900">
               <a:lnSpc>
                 <a:spcPct val="100000"/>
               </a:lnSpc>
               <a:spcBef>
                 <a:spcPts val="0"/>
               </a:spcBef>
+              <a:buFont typeface="+mj-lt"/>
+              <a:buAutoNum type="arabicPeriod"/>
             </a:pPr>
             <a:r>
               <a:rPr lang="en-US" sz="1400" dirty="0" err="1">
@@ -38030,13 +39712,15 @@
             </a:endParaRPr>
           </a:p>
           <a:p>
-            <a:pPr>
+            <a:pPr marL="342900" indent="-342900">
               <a:lnSpc>
                 <a:spcPct val="100000"/>
               </a:lnSpc>
               <a:spcBef>
                 <a:spcPts val="0"/>
               </a:spcBef>
+              <a:buFont typeface="+mj-lt"/>
+              <a:buAutoNum type="arabicPeriod"/>
             </a:pPr>
             <a:r>
               <a:rPr lang="en-US" sz="1400" dirty="0">
@@ -38048,13 +39732,15 @@
             </a:r>
           </a:p>
           <a:p>
-            <a:pPr>
+            <a:pPr marL="342900" indent="-342900">
               <a:lnSpc>
                 <a:spcPct val="100000"/>
               </a:lnSpc>
               <a:spcBef>
                 <a:spcPts val="0"/>
               </a:spcBef>
+              <a:buFont typeface="+mj-lt"/>
+              <a:buAutoNum type="arabicPeriod"/>
             </a:pPr>
             <a:r>
               <a:rPr lang="en-US" sz="1400" dirty="0">
@@ -38127,13 +39813,15 @@
             </a:endParaRPr>
           </a:p>
           <a:p>
-            <a:pPr>
+            <a:pPr marL="342900" indent="-342900">
               <a:lnSpc>
                 <a:spcPct val="100000"/>
               </a:lnSpc>
               <a:spcBef>
                 <a:spcPts val="0"/>
               </a:spcBef>
+              <a:buFont typeface="+mj-lt"/>
+              <a:buAutoNum type="arabicPeriod"/>
             </a:pPr>
             <a:r>
               <a:rPr lang="en-US" sz="1400" dirty="0">
@@ -38257,13 +39945,15 @@
             </a:r>
           </a:p>
           <a:p>
-            <a:pPr>
+            <a:pPr marL="342900" indent="-342900">
               <a:lnSpc>
                 <a:spcPct val="100000"/>
               </a:lnSpc>
               <a:spcBef>
                 <a:spcPts val="0"/>
               </a:spcBef>
+              <a:buFont typeface="+mj-lt"/>
+              <a:buAutoNum type="arabicPeriod"/>
             </a:pPr>
             <a:r>
               <a:rPr lang="en-US" sz="1400" dirty="0" err="1">
@@ -38331,21 +40021,31 @@
             </a:r>
           </a:p>
           <a:p>
-            <a:pPr>
+            <a:pPr marL="342900" indent="-342900">
               <a:lnSpc>
                 <a:spcPct val="100000"/>
               </a:lnSpc>
               <a:spcBef>
                 <a:spcPts val="0"/>
               </a:spcBef>
+              <a:buFont typeface="+mj-lt"/>
+              <a:buAutoNum type="arabicPeriod"/>
             </a:pPr>
             <a:r>
+              <a:rPr lang="en-US" sz="1400" dirty="0" err="1">
+                <a:solidFill>
+                  <a:srgbClr val="002060"/>
+                </a:solidFill>
+              </a:rPr>
+              <a:t>Objek</a:t>
+            </a:r>
+            <a:r>
               <a:rPr lang="en-US" sz="1400" dirty="0">
                 <a:solidFill>
                   <a:srgbClr val="002060"/>
                 </a:solidFill>
               </a:rPr>
-              <a:t>9. </a:t>
+              <a:t> atau </a:t>
             </a:r>
             <a:r>
               <a:rPr lang="en-US" sz="1400" dirty="0" err="1">
@@ -38353,7 +40053,7 @@
                   <a:srgbClr val="002060"/>
                 </a:solidFill>
               </a:rPr>
-              <a:t>Objek</a:t>
+              <a:t>isi</a:t>
             </a:r>
             <a:r>
               <a:rPr lang="en-US" sz="1400" dirty="0">
@@ -38369,7 +40069,7 @@
                   <a:srgbClr val="002060"/>
                 </a:solidFill>
               </a:rPr>
-              <a:t>atau</a:t>
+              <a:t>dalam</a:t>
             </a:r>
             <a:r>
               <a:rPr lang="en-US" sz="1400" dirty="0">
@@ -38377,6 +40077,22 @@
                   <a:srgbClr val="002060"/>
                 </a:solidFill>
               </a:rPr>
+              <a:t> video </a:t>
+            </a:r>
+            <a:r>
+              <a:rPr lang="en-US" sz="1400" dirty="0" err="1">
+                <a:solidFill>
+                  <a:srgbClr val="002060"/>
+                </a:solidFill>
+              </a:rPr>
+              <a:t>mutlak</a:t>
+            </a:r>
+            <a:r>
+              <a:rPr lang="en-US" sz="1400" dirty="0">
+                <a:solidFill>
+                  <a:srgbClr val="002060"/>
+                </a:solidFill>
+              </a:rPr>
               <a:t> </a:t>
             </a:r>
             <a:r>
@@ -38385,7 +40101,7 @@
                   <a:srgbClr val="002060"/>
                 </a:solidFill>
               </a:rPr>
-              <a:t>isi</a:t>
+              <a:t>menjadi</a:t>
             </a:r>
             <a:r>
               <a:rPr lang="en-US" sz="1400" dirty="0">
@@ -38401,7 +40117,7 @@
                   <a:srgbClr val="002060"/>
                 </a:solidFill>
               </a:rPr>
-              <a:t>dalam</a:t>
+              <a:t>tanggung</a:t>
             </a:r>
             <a:r>
               <a:rPr lang="en-US" sz="1400" dirty="0">
@@ -38409,7 +40125,7 @@
                   <a:srgbClr val="002060"/>
                 </a:solidFill>
               </a:rPr>
-              <a:t> video </a:t>
+              <a:t> </a:t>
             </a:r>
             <a:r>
               <a:rPr lang="en-US" sz="1400" dirty="0" err="1">
@@ -38417,7 +40133,7 @@
                   <a:srgbClr val="002060"/>
                 </a:solidFill>
               </a:rPr>
-              <a:t>mutlak</a:t>
+              <a:t>jawab</a:t>
             </a:r>
             <a:r>
               <a:rPr lang="en-US" sz="1400" dirty="0">
@@ -38433,7 +40149,7 @@
                   <a:srgbClr val="002060"/>
                 </a:solidFill>
               </a:rPr>
-              <a:t>menjadi</a:t>
+              <a:t>dari</a:t>
             </a:r>
             <a:r>
               <a:rPr lang="en-US" sz="1400" dirty="0">
@@ -38441,7 +40157,7 @@
                   <a:srgbClr val="002060"/>
                 </a:solidFill>
               </a:rPr>
-              <a:t> </a:t>
+              <a:t> Mahasiswa, </a:t>
             </a:r>
             <a:r>
               <a:rPr lang="en-US" sz="1400" dirty="0" err="1">
@@ -38449,7 +40165,7 @@
                   <a:srgbClr val="002060"/>
                 </a:solidFill>
               </a:rPr>
-              <a:t>tanggung</a:t>
+              <a:t>Panitia</a:t>
             </a:r>
             <a:r>
               <a:rPr lang="en-US" sz="1400" dirty="0">
@@ -38457,81 +40173,19 @@
                   <a:srgbClr val="002060"/>
                 </a:solidFill>
               </a:rPr>
-              <a:t> </a:t>
-            </a:r>
-            <a:r>
-              <a:rPr lang="en-US" sz="1400" dirty="0" err="1">
-                <a:solidFill>
-                  <a:srgbClr val="002060"/>
-                </a:solidFill>
-              </a:rPr>
-              <a:t>jawab</a:t>
-            </a:r>
-            <a:r>
-              <a:rPr lang="en-US" sz="1400" dirty="0">
-                <a:solidFill>
-                  <a:srgbClr val="002060"/>
-                </a:solidFill>
-              </a:rPr>
-              <a:t> </a:t>
-            </a:r>
-            <a:r>
-              <a:rPr lang="en-US" sz="1400" dirty="0" err="1">
-                <a:solidFill>
-                  <a:srgbClr val="002060"/>
-                </a:solidFill>
-              </a:rPr>
-              <a:t>dari</a:t>
-            </a:r>
-            <a:r>
-              <a:rPr lang="en-US" sz="1400" dirty="0">
-                <a:solidFill>
-                  <a:srgbClr val="002060"/>
-                </a:solidFill>
-              </a:rPr>
-              <a:t> </a:t>
-            </a:r>
-            <a:r>
-              <a:rPr lang="en-US" sz="1400" dirty="0" err="1">
-                <a:solidFill>
-                  <a:srgbClr val="002060"/>
-                </a:solidFill>
-              </a:rPr>
-              <a:t>Mahasiswa</a:t>
-            </a:r>
-            <a:r>
-              <a:rPr lang="en-US" sz="1400" dirty="0">
-                <a:solidFill>
-                  <a:srgbClr val="002060"/>
-                </a:solidFill>
-              </a:rPr>
-              <a:t>, </a:t>
-            </a:r>
-            <a:r>
-              <a:rPr lang="en-US" sz="1400" dirty="0" err="1">
-                <a:solidFill>
-                  <a:srgbClr val="002060"/>
-                </a:solidFill>
-              </a:rPr>
-              <a:t>Panitia</a:t>
-            </a:r>
-            <a:r>
-              <a:rPr lang="en-US" sz="1400" dirty="0">
-                <a:solidFill>
-                  <a:srgbClr val="002060"/>
-                </a:solidFill>
-              </a:rPr>
               <a:t> KKN</a:t>
             </a:r>
           </a:p>
           <a:p>
-            <a:pPr>
+            <a:pPr marL="342900" indent="-342900">
               <a:lnSpc>
                 <a:spcPct val="100000"/>
               </a:lnSpc>
               <a:spcBef>
                 <a:spcPts val="0"/>
               </a:spcBef>
+              <a:buFont typeface="+mj-lt"/>
+              <a:buAutoNum type="arabicPeriod"/>
             </a:pPr>
             <a:r>
               <a:rPr lang="en-US" sz="1400" dirty="0" err="1">
@@ -38695,21 +40349,31 @@
             </a:r>
           </a:p>
           <a:p>
-            <a:pPr>
+            <a:pPr marL="342900" indent="-342900">
               <a:lnSpc>
                 <a:spcPct val="100000"/>
               </a:lnSpc>
               <a:spcBef>
                 <a:spcPts val="0"/>
               </a:spcBef>
+              <a:buFont typeface="+mj-lt"/>
+              <a:buAutoNum type="arabicPeriod"/>
             </a:pPr>
             <a:r>
+              <a:rPr lang="en-US" sz="1400" dirty="0" err="1">
+                <a:solidFill>
+                  <a:srgbClr val="002060"/>
+                </a:solidFill>
+              </a:rPr>
+              <a:t>Peserta</a:t>
+            </a:r>
+            <a:r>
               <a:rPr lang="en-US" sz="1400" dirty="0">
                 <a:solidFill>
                   <a:srgbClr val="002060"/>
                 </a:solidFill>
               </a:rPr>
-              <a:t>10. </a:t>
+              <a:t> </a:t>
             </a:r>
             <a:r>
               <a:rPr lang="en-US" sz="1400" dirty="0" err="1">
@@ -38717,7 +40381,7 @@
                   <a:srgbClr val="002060"/>
                 </a:solidFill>
               </a:rPr>
-              <a:t>Peserta</a:t>
+              <a:t>boleh</a:t>
             </a:r>
             <a:r>
               <a:rPr lang="en-US" sz="1400" dirty="0">
@@ -38733,7 +40397,7 @@
                   <a:srgbClr val="002060"/>
                 </a:solidFill>
               </a:rPr>
-              <a:t>boleh</a:t>
+              <a:t>mengunggah</a:t>
             </a:r>
             <a:r>
               <a:rPr lang="en-US" sz="1400" dirty="0">
@@ -38749,7 +40413,7 @@
                   <a:srgbClr val="002060"/>
                 </a:solidFill>
               </a:rPr>
-              <a:t>mengunggah</a:t>
+              <a:t>foto</a:t>
             </a:r>
             <a:r>
               <a:rPr lang="en-US" sz="1400" dirty="0">
@@ -38757,6 +40421,22 @@
                   <a:srgbClr val="002060"/>
                 </a:solidFill>
               </a:rPr>
+              <a:t> kegiatan KKN (</a:t>
+            </a:r>
+            <a:r>
+              <a:rPr lang="en-US" sz="1400" dirty="0" err="1">
+                <a:solidFill>
+                  <a:srgbClr val="002060"/>
+                </a:solidFill>
+              </a:rPr>
+              <a:t>bukan</a:t>
+            </a:r>
+            <a:r>
+              <a:rPr lang="en-US" sz="1400" dirty="0">
+                <a:solidFill>
+                  <a:srgbClr val="002060"/>
+                </a:solidFill>
+              </a:rPr>
               <a:t> </a:t>
             </a:r>
             <a:r>
@@ -38773,81 +40453,19 @@
                   <a:srgbClr val="002060"/>
                 </a:solidFill>
               </a:rPr>
-              <a:t> </a:t>
-            </a:r>
-            <a:r>
-              <a:rPr lang="en-US" sz="1400" dirty="0" err="1">
-                <a:solidFill>
-                  <a:srgbClr val="002060"/>
-                </a:solidFill>
-              </a:rPr>
-              <a:t>kegiatan</a:t>
-            </a:r>
-            <a:r>
-              <a:rPr lang="en-US" sz="1400" dirty="0">
-                <a:solidFill>
-                  <a:srgbClr val="002060"/>
-                </a:solidFill>
-              </a:rPr>
-              <a:t> KKN (</a:t>
-            </a:r>
-            <a:r>
-              <a:rPr lang="en-US" sz="1400" dirty="0" err="1">
-                <a:solidFill>
-                  <a:srgbClr val="002060"/>
-                </a:solidFill>
-              </a:rPr>
-              <a:t>bukan</a:t>
-            </a:r>
-            <a:r>
-              <a:rPr lang="en-US" sz="1400" dirty="0">
-                <a:solidFill>
-                  <a:srgbClr val="002060"/>
-                </a:solidFill>
-              </a:rPr>
-              <a:t> </a:t>
-            </a:r>
-            <a:r>
-              <a:rPr lang="en-US" sz="1400" dirty="0" err="1">
-                <a:solidFill>
-                  <a:srgbClr val="002060"/>
-                </a:solidFill>
-              </a:rPr>
-              <a:t>foto</a:t>
-            </a:r>
-            <a:r>
-              <a:rPr lang="en-US" sz="1400" dirty="0">
-                <a:solidFill>
-                  <a:srgbClr val="002060"/>
-                </a:solidFill>
-              </a:rPr>
-              <a:t> selfie) dan video </a:t>
-            </a:r>
-            <a:r>
-              <a:rPr lang="en-US" sz="1400" dirty="0" err="1">
-                <a:solidFill>
-                  <a:srgbClr val="002060"/>
-                </a:solidFill>
-              </a:rPr>
-              <a:t>kegiatan</a:t>
-            </a:r>
-            <a:r>
-              <a:rPr lang="en-US" sz="1400" dirty="0">
-                <a:solidFill>
-                  <a:srgbClr val="002060"/>
-                </a:solidFill>
-              </a:rPr>
-              <a:t> di</a:t>
-            </a:r>
-          </a:p>
-          <a:p>
-            <a:pPr>
+              <a:t> selfie) dan video kegiatan di</a:t>
+            </a:r>
+          </a:p>
+          <a:p>
+            <a:pPr marL="342900" indent="-342900">
               <a:lnSpc>
                 <a:spcPct val="100000"/>
               </a:lnSpc>
               <a:spcBef>
                 <a:spcPts val="0"/>
               </a:spcBef>
+              <a:buFont typeface="+mj-lt"/>
+              <a:buAutoNum type="arabicPeriod"/>
             </a:pPr>
             <a:r>
               <a:rPr lang="en-US" sz="1400" dirty="0" err="1">
@@ -38976,13 +40594,15 @@
             </a:endParaRPr>
           </a:p>
           <a:p>
-            <a:pPr>
+            <a:pPr marL="342900" indent="-342900">
               <a:lnSpc>
                 <a:spcPct val="100000"/>
               </a:lnSpc>
               <a:spcBef>
                 <a:spcPts val="0"/>
               </a:spcBef>
+              <a:buFont typeface="+mj-lt"/>
+              <a:buAutoNum type="arabicPeriod"/>
             </a:pPr>
             <a:r>
               <a:rPr lang="en-US" sz="1400" dirty="0">
@@ -38994,21 +40614,31 @@
             </a:r>
           </a:p>
           <a:p>
-            <a:pPr>
+            <a:pPr marL="342900" indent="-342900">
               <a:lnSpc>
                 <a:spcPct val="100000"/>
               </a:lnSpc>
               <a:spcBef>
                 <a:spcPts val="0"/>
               </a:spcBef>
+              <a:buFont typeface="+mj-lt"/>
+              <a:buAutoNum type="arabicPeriod"/>
             </a:pPr>
             <a:r>
+              <a:rPr lang="en-US" sz="1400" dirty="0" err="1">
+                <a:solidFill>
+                  <a:srgbClr val="002060"/>
+                </a:solidFill>
+              </a:rPr>
+              <a:t>Peserta</a:t>
+            </a:r>
+            <a:r>
               <a:rPr lang="en-US" sz="1400" dirty="0">
                 <a:solidFill>
                   <a:srgbClr val="002060"/>
                 </a:solidFill>
               </a:rPr>
-              <a:t>11. </a:t>
+              <a:t> </a:t>
             </a:r>
             <a:r>
               <a:rPr lang="en-US" sz="1400" dirty="0" err="1">
@@ -39016,7 +40646,7 @@
                   <a:srgbClr val="002060"/>
                 </a:solidFill>
               </a:rPr>
-              <a:t>Peserta</a:t>
+              <a:t>boleh</a:t>
             </a:r>
             <a:r>
               <a:rPr lang="en-US" sz="1400" dirty="0">
@@ -39032,7 +40662,7 @@
                   <a:srgbClr val="002060"/>
                 </a:solidFill>
               </a:rPr>
-              <a:t>boleh</a:t>
+              <a:t>menggunggah</a:t>
             </a:r>
             <a:r>
               <a:rPr lang="en-US" sz="1400" dirty="0">
@@ -39040,7 +40670,7 @@
                   <a:srgbClr val="002060"/>
                 </a:solidFill>
               </a:rPr>
-              <a:t> </a:t>
+              <a:t> poster KKN yang </a:t>
             </a:r>
             <a:r>
               <a:rPr lang="en-US" sz="1400" dirty="0" err="1">
@@ -39048,7 +40678,7 @@
                   <a:srgbClr val="002060"/>
                 </a:solidFill>
               </a:rPr>
-              <a:t>menggunggah</a:t>
+              <a:t>dibuat</a:t>
             </a:r>
             <a:r>
               <a:rPr lang="en-US" sz="1400" dirty="0">
@@ -39056,7 +40686,7 @@
                   <a:srgbClr val="002060"/>
                 </a:solidFill>
               </a:rPr>
-              <a:t> poster KKN yang </a:t>
+              <a:t> oleh </a:t>
             </a:r>
             <a:r>
               <a:rPr lang="en-US" sz="1400" dirty="0" err="1">
@@ -39064,7 +40694,7 @@
                   <a:srgbClr val="002060"/>
                 </a:solidFill>
               </a:rPr>
-              <a:t>dibuat</a:t>
+              <a:t>peserta</a:t>
             </a:r>
             <a:r>
               <a:rPr lang="en-US" sz="1400" dirty="0">
@@ -39072,7 +40702,7 @@
                   <a:srgbClr val="002060"/>
                 </a:solidFill>
               </a:rPr>
-              <a:t> oleh </a:t>
+              <a:t> KKN </a:t>
             </a:r>
             <a:r>
               <a:rPr lang="en-US" sz="1400" dirty="0" err="1">
@@ -39080,7 +40710,7 @@
                   <a:srgbClr val="002060"/>
                 </a:solidFill>
               </a:rPr>
-              <a:t>peserta</a:t>
+              <a:t>melalui</a:t>
             </a:r>
             <a:r>
               <a:rPr lang="en-US" sz="1400" dirty="0">
@@ -39088,46 +40718,19 @@
                   <a:srgbClr val="002060"/>
                 </a:solidFill>
               </a:rPr>
-              <a:t> KKN </a:t>
-            </a:r>
-            <a:r>
-              <a:rPr lang="en-US" sz="1400" dirty="0" err="1">
-                <a:solidFill>
-                  <a:srgbClr val="002060"/>
-                </a:solidFill>
-              </a:rPr>
-              <a:t>melalui</a:t>
-            </a:r>
-            <a:r>
-              <a:rPr lang="en-US" sz="1400" dirty="0">
-                <a:solidFill>
-                  <a:srgbClr val="002060"/>
-                </a:solidFill>
-              </a:rPr>
-              <a:t> </a:t>
-            </a:r>
-            <a:r>
-              <a:rPr lang="en-US" sz="1400" dirty="0" err="1">
-                <a:solidFill>
-                  <a:srgbClr val="002060"/>
-                </a:solidFill>
-              </a:rPr>
-              <a:t>akun</a:t>
-            </a:r>
-            <a:endParaRPr lang="en-US" sz="1400" dirty="0">
-              <a:solidFill>
-                <a:srgbClr val="002060"/>
-              </a:solidFill>
-            </a:endParaRPr>
-          </a:p>
-          <a:p>
-            <a:pPr>
+              <a:t> akun</a:t>
+            </a:r>
+          </a:p>
+          <a:p>
+            <a:pPr marL="342900" indent="-342900">
               <a:lnSpc>
                 <a:spcPct val="100000"/>
               </a:lnSpc>
               <a:spcBef>
                 <a:spcPts val="0"/>
               </a:spcBef>
+              <a:buFont typeface="+mj-lt"/>
+              <a:buAutoNum type="arabicPeriod"/>
             </a:pPr>
             <a:r>
               <a:rPr lang="en-US" sz="1400" dirty="0">
@@ -39171,13 +40774,15 @@
             </a:r>
           </a:p>
           <a:p>
-            <a:pPr>
+            <a:pPr marL="342900" indent="-342900">
               <a:lnSpc>
                 <a:spcPct val="100000"/>
               </a:lnSpc>
               <a:spcBef>
                 <a:spcPts val="0"/>
               </a:spcBef>
+              <a:buFont typeface="+mj-lt"/>
+              <a:buAutoNum type="arabicPeriod"/>
             </a:pPr>
             <a:endParaRPr lang="en-US" sz="1400" dirty="0">
               <a:solidFill>
@@ -40167,12 +41772,12 @@
 </file>
 
 <file path=customXml/item1.xml><?xml version="1.0" encoding="utf-8"?>
-<p:properties xmlns:p="http://schemas.microsoft.com/office/2006/metadata/properties" xmlns:xsi="http://www.w3.org/2001/XMLSchema-instance" xmlns:pc="http://schemas.microsoft.com/office/infopath/2007/PartnerControls">
-  <documentManagement>
-    <Status xmlns="71af3243-3dd4-4a8d-8c0d-dd76da1f02a5">Not started</Status>
-    <MediaServiceKeyPoints xmlns="71af3243-3dd4-4a8d-8c0d-dd76da1f02a5" xsi:nil="true"/>
-  </documentManagement>
-</p:properties>
+<?mso-contentType ?>
+<FormTemplates xmlns="http://schemas.microsoft.com/sharepoint/v3/contenttype/forms">
+  <Display>DocumentLibraryForm</Display>
+  <Edit>DocumentLibraryForm</Edit>
+  <New>DocumentLibraryForm</New>
+</FormTemplates>
 </file>
 
 <file path=customXml/item2.xml><?xml version="1.0" encoding="utf-8"?>
@@ -40397,20 +42002,18 @@
 </file>
 
 <file path=customXml/item3.xml><?xml version="1.0" encoding="utf-8"?>
-<?mso-contentType ?>
-<FormTemplates xmlns="http://schemas.microsoft.com/sharepoint/v3/contenttype/forms">
-  <Display>DocumentLibraryForm</Display>
-  <Edit>DocumentLibraryForm</Edit>
-  <New>DocumentLibraryForm</New>
-</FormTemplates>
+<p:properties xmlns:p="http://schemas.microsoft.com/office/2006/metadata/properties" xmlns:xsi="http://www.w3.org/2001/XMLSchema-instance" xmlns:pc="http://schemas.microsoft.com/office/infopath/2007/PartnerControls">
+  <documentManagement>
+    <Status xmlns="71af3243-3dd4-4a8d-8c0d-dd76da1f02a5">Not started</Status>
+    <MediaServiceKeyPoints xmlns="71af3243-3dd4-4a8d-8c0d-dd76da1f02a5" xsi:nil="true"/>
+  </documentManagement>
+</p:properties>
 </file>
 
 <file path=customXml/itemProps1.xml><?xml version="1.0" encoding="utf-8"?>
-<ds:datastoreItem xmlns:ds="http://schemas.openxmlformats.org/officeDocument/2006/customXml" ds:itemID="{9D2E6351-E64A-42DD-A554-7DF752222129}">
+<ds:datastoreItem xmlns:ds="http://schemas.openxmlformats.org/officeDocument/2006/customXml" ds:itemID="{530CA71C-6B24-463C-853F-076A02E27CBC}">
   <ds:schemaRefs>
-    <ds:schemaRef ds:uri="http://schemas.microsoft.com/office/2006/metadata/properties"/>
-    <ds:schemaRef ds:uri="http://schemas.microsoft.com/office/infopath/2007/PartnerControls"/>
-    <ds:schemaRef ds:uri="71af3243-3dd4-4a8d-8c0d-dd76da1f02a5"/>
+    <ds:schemaRef ds:uri="http://schemas.microsoft.com/sharepoint/v3/contenttype/forms"/>
   </ds:schemaRefs>
 </ds:datastoreItem>
 </file>
@@ -40435,9 +42038,11 @@
 </file>
 
 <file path=customXml/itemProps3.xml><?xml version="1.0" encoding="utf-8"?>
-<ds:datastoreItem xmlns:ds="http://schemas.openxmlformats.org/officeDocument/2006/customXml" ds:itemID="{530CA71C-6B24-463C-853F-076A02E27CBC}">
+<ds:datastoreItem xmlns:ds="http://schemas.openxmlformats.org/officeDocument/2006/customXml" ds:itemID="{9D2E6351-E64A-42DD-A554-7DF752222129}">
   <ds:schemaRefs>
-    <ds:schemaRef ds:uri="http://schemas.microsoft.com/sharepoint/v3/contenttype/forms"/>
+    <ds:schemaRef ds:uri="http://schemas.microsoft.com/office/2006/metadata/properties"/>
+    <ds:schemaRef ds:uri="http://schemas.microsoft.com/office/infopath/2007/PartnerControls"/>
+    <ds:schemaRef ds:uri="71af3243-3dd4-4a8d-8c0d-dd76da1f02a5"/>
   </ds:schemaRefs>
 </ds:datastoreItem>
 </file>